--- a/stim creation/new_scenes_final_version.pptx
+++ b/stim creation/new_scenes_final_version.pptx
@@ -5,10 +5,26 @@
     <p:sldMasterId id="2147483660" r:id="rId1"/>
   </p:sldMasterIdLst>
   <p:notesMasterIdLst>
-    <p:notesMasterId r:id="rId3"/>
+    <p:notesMasterId r:id="rId19"/>
   </p:notesMasterIdLst>
   <p:sldIdLst>
     <p:sldId id="316" r:id="rId2"/>
+    <p:sldId id="277" r:id="rId3"/>
+    <p:sldId id="317" r:id="rId4"/>
+    <p:sldId id="320" r:id="rId5"/>
+    <p:sldId id="318" r:id="rId6"/>
+    <p:sldId id="323" r:id="rId7"/>
+    <p:sldId id="319" r:id="rId8"/>
+    <p:sldId id="272" r:id="rId9"/>
+    <p:sldId id="324" r:id="rId10"/>
+    <p:sldId id="326" r:id="rId11"/>
+    <p:sldId id="325" r:id="rId12"/>
+    <p:sldId id="321" r:id="rId13"/>
+    <p:sldId id="327" r:id="rId14"/>
+    <p:sldId id="328" r:id="rId15"/>
+    <p:sldId id="329" r:id="rId16"/>
+    <p:sldId id="330" r:id="rId17"/>
+    <p:sldId id="322" r:id="rId18"/>
   </p:sldIdLst>
   <p:sldSz cx="5400675" cy="5400675"/>
   <p:notesSz cx="6858000" cy="9144000"/>
@@ -593,6 +609,1926 @@
     <p:extLst>
       <p:ext uri="{BB962C8B-B14F-4D97-AF65-F5344CB8AC3E}">
         <p14:creationId xmlns:p14="http://schemas.microsoft.com/office/powerpoint/2010/main" val="1847872278"/>
+      </p:ext>
+    </p:extLst>
+  </p:cSld>
+  <p:clrMapOvr>
+    <a:masterClrMapping/>
+  </p:clrMapOvr>
+</p:notes>
+</file>
+
+<file path=ppt/notesSlides/notesSlide10.xml><?xml version="1.0" encoding="utf-8"?>
+<p:notes xmlns:a="http://schemas.openxmlformats.org/drawingml/2006/main" xmlns:r="http://schemas.openxmlformats.org/officeDocument/2006/relationships" xmlns:p="http://schemas.openxmlformats.org/presentationml/2006/main">
+  <p:cSld>
+    <p:spTree>
+      <p:nvGrpSpPr>
+        <p:cNvPr id="1" name="">
+          <a:extLst>
+            <a:ext uri="{FF2B5EF4-FFF2-40B4-BE49-F238E27FC236}">
+              <a16:creationId xmlns:a16="http://schemas.microsoft.com/office/drawing/2014/main" id="{47EBCC41-9A14-40E2-9D1E-278DD310C107}"/>
+            </a:ext>
+          </a:extLst>
+        </p:cNvPr>
+        <p:cNvGrpSpPr/>
+        <p:nvPr/>
+      </p:nvGrpSpPr>
+      <p:grpSpPr>
+        <a:xfrm>
+          <a:off x="0" y="0"/>
+          <a:ext cx="0" cy="0"/>
+          <a:chOff x="0" y="0"/>
+          <a:chExt cx="0" cy="0"/>
+        </a:xfrm>
+      </p:grpSpPr>
+      <p:sp>
+        <p:nvSpPr>
+          <p:cNvPr id="2" name="Slide Image Placeholder 1">
+            <a:extLst>
+              <a:ext uri="{FF2B5EF4-FFF2-40B4-BE49-F238E27FC236}">
+                <a16:creationId xmlns:a16="http://schemas.microsoft.com/office/drawing/2014/main" id="{CFFACA8A-F7EA-E47B-B98A-23CC15D23067}"/>
+              </a:ext>
+            </a:extLst>
+          </p:cNvPr>
+          <p:cNvSpPr>
+            <a:spLocks noGrp="1" noRot="1" noChangeAspect="1"/>
+          </p:cNvSpPr>
+          <p:nvPr>
+            <p:ph type="sldImg"/>
+          </p:nvPr>
+        </p:nvSpPr>
+        <p:spPr/>
+      </p:sp>
+      <p:sp>
+        <p:nvSpPr>
+          <p:cNvPr id="3" name="Notes Placeholder 2">
+            <a:extLst>
+              <a:ext uri="{FF2B5EF4-FFF2-40B4-BE49-F238E27FC236}">
+                <a16:creationId xmlns:a16="http://schemas.microsoft.com/office/drawing/2014/main" id="{36CB0DE9-F268-5681-18E7-D3AF88FCF1F8}"/>
+              </a:ext>
+            </a:extLst>
+          </p:cNvPr>
+          <p:cNvSpPr>
+            <a:spLocks noGrp="1"/>
+          </p:cNvSpPr>
+          <p:nvPr>
+            <p:ph type="body" idx="1"/>
+          </p:nvPr>
+        </p:nvSpPr>
+        <p:spPr/>
+        <p:txBody>
+          <a:bodyPr/>
+          <a:lstStyle/>
+          <a:p>
+            <a:r>
+              <a:rPr lang="en-GB" dirty="0"/>
+              <a:t>ARC</a:t>
+            </a:r>
+          </a:p>
+          <a:p>
+            <a:r>
+              <a:rPr lang="en-GB" dirty="0"/>
+              <a:t>The circle, which is blue, is right of the triangle</a:t>
+            </a:r>
+          </a:p>
+          <a:p>
+            <a:r>
+              <a:rPr lang="en-GB" dirty="0"/>
+              <a:t>F + T</a:t>
+            </a:r>
+          </a:p>
+        </p:txBody>
+      </p:sp>
+      <p:sp>
+        <p:nvSpPr>
+          <p:cNvPr id="4" name="Slide Number Placeholder 3">
+            <a:extLst>
+              <a:ext uri="{FF2B5EF4-FFF2-40B4-BE49-F238E27FC236}">
+                <a16:creationId xmlns:a16="http://schemas.microsoft.com/office/drawing/2014/main" id="{38E8C520-406C-223A-35FE-5F4B5B75F11B}"/>
+              </a:ext>
+            </a:extLst>
+          </p:cNvPr>
+          <p:cNvSpPr>
+            <a:spLocks noGrp="1"/>
+          </p:cNvSpPr>
+          <p:nvPr>
+            <p:ph type="sldNum" sz="quarter" idx="5"/>
+          </p:nvPr>
+        </p:nvSpPr>
+        <p:spPr/>
+        <p:txBody>
+          <a:bodyPr/>
+          <a:lstStyle/>
+          <a:p>
+            <a:fld id="{B36E31BD-47D6-AF47-9BDE-D36BBCCAD48A}" type="slidenum">
+              <a:rPr lang="en-GB" smtClean="0"/>
+              <a:t>10</a:t>
+            </a:fld>
+            <a:endParaRPr lang="en-GB"/>
+          </a:p>
+        </p:txBody>
+      </p:sp>
+    </p:spTree>
+    <p:extLst>
+      <p:ext uri="{BB962C8B-B14F-4D97-AF65-F5344CB8AC3E}">
+        <p14:creationId xmlns:p14="http://schemas.microsoft.com/office/powerpoint/2010/main" val="3067842712"/>
+      </p:ext>
+    </p:extLst>
+  </p:cSld>
+  <p:clrMapOvr>
+    <a:masterClrMapping/>
+  </p:clrMapOvr>
+</p:notes>
+</file>
+
+<file path=ppt/notesSlides/notesSlide11.xml><?xml version="1.0" encoding="utf-8"?>
+<p:notes xmlns:a="http://schemas.openxmlformats.org/drawingml/2006/main" xmlns:r="http://schemas.openxmlformats.org/officeDocument/2006/relationships" xmlns:p="http://schemas.openxmlformats.org/presentationml/2006/main">
+  <p:cSld>
+    <p:spTree>
+      <p:nvGrpSpPr>
+        <p:cNvPr id="1" name="">
+          <a:extLst>
+            <a:ext uri="{FF2B5EF4-FFF2-40B4-BE49-F238E27FC236}">
+              <a16:creationId xmlns:a16="http://schemas.microsoft.com/office/drawing/2014/main" id="{98BD61F3-50EF-5F6C-05B6-63B4EAB24C4B}"/>
+            </a:ext>
+          </a:extLst>
+        </p:cNvPr>
+        <p:cNvGrpSpPr/>
+        <p:nvPr/>
+      </p:nvGrpSpPr>
+      <p:grpSpPr>
+        <a:xfrm>
+          <a:off x="0" y="0"/>
+          <a:ext cx="0" cy="0"/>
+          <a:chOff x="0" y="0"/>
+          <a:chExt cx="0" cy="0"/>
+        </a:xfrm>
+      </p:grpSpPr>
+      <p:sp>
+        <p:nvSpPr>
+          <p:cNvPr id="2" name="Slide Image Placeholder 1">
+            <a:extLst>
+              <a:ext uri="{FF2B5EF4-FFF2-40B4-BE49-F238E27FC236}">
+                <a16:creationId xmlns:a16="http://schemas.microsoft.com/office/drawing/2014/main" id="{C842649C-7B92-90D0-5E76-044D9777C939}"/>
+              </a:ext>
+            </a:extLst>
+          </p:cNvPr>
+          <p:cNvSpPr>
+            <a:spLocks noGrp="1" noRot="1" noChangeAspect="1"/>
+          </p:cNvSpPr>
+          <p:nvPr>
+            <p:ph type="sldImg"/>
+          </p:nvPr>
+        </p:nvSpPr>
+        <p:spPr/>
+      </p:sp>
+      <p:sp>
+        <p:nvSpPr>
+          <p:cNvPr id="3" name="Notes Placeholder 2">
+            <a:extLst>
+              <a:ext uri="{FF2B5EF4-FFF2-40B4-BE49-F238E27FC236}">
+                <a16:creationId xmlns:a16="http://schemas.microsoft.com/office/drawing/2014/main" id="{11EE1648-ECAA-0F5F-9A18-B9BD21741522}"/>
+              </a:ext>
+            </a:extLst>
+          </p:cNvPr>
+          <p:cNvSpPr>
+            <a:spLocks noGrp="1"/>
+          </p:cNvSpPr>
+          <p:nvPr>
+            <p:ph type="body" idx="1"/>
+          </p:nvPr>
+        </p:nvSpPr>
+        <p:spPr/>
+        <p:txBody>
+          <a:bodyPr/>
+          <a:lstStyle/>
+          <a:p>
+            <a:r>
+              <a:rPr lang="en-GB" dirty="0"/>
+              <a:t>ARC</a:t>
+            </a:r>
+          </a:p>
+          <a:p>
+            <a:r>
+              <a:rPr lang="en-GB" dirty="0"/>
+              <a:t>The circle, which is blue, is right of the triangle</a:t>
+            </a:r>
+          </a:p>
+          <a:p>
+            <a:r>
+              <a:rPr lang="en-GB" dirty="0"/>
+              <a:t>F + T</a:t>
+            </a:r>
+          </a:p>
+        </p:txBody>
+      </p:sp>
+      <p:sp>
+        <p:nvSpPr>
+          <p:cNvPr id="4" name="Slide Number Placeholder 3">
+            <a:extLst>
+              <a:ext uri="{FF2B5EF4-FFF2-40B4-BE49-F238E27FC236}">
+                <a16:creationId xmlns:a16="http://schemas.microsoft.com/office/drawing/2014/main" id="{1FCD1CB0-811C-9F1A-5785-35ADD9A17D4A}"/>
+              </a:ext>
+            </a:extLst>
+          </p:cNvPr>
+          <p:cNvSpPr>
+            <a:spLocks noGrp="1"/>
+          </p:cNvSpPr>
+          <p:nvPr>
+            <p:ph type="sldNum" sz="quarter" idx="5"/>
+          </p:nvPr>
+        </p:nvSpPr>
+        <p:spPr/>
+        <p:txBody>
+          <a:bodyPr/>
+          <a:lstStyle/>
+          <a:p>
+            <a:fld id="{B36E31BD-47D6-AF47-9BDE-D36BBCCAD48A}" type="slidenum">
+              <a:rPr lang="en-GB" smtClean="0"/>
+              <a:t>11</a:t>
+            </a:fld>
+            <a:endParaRPr lang="en-GB"/>
+          </a:p>
+        </p:txBody>
+      </p:sp>
+    </p:spTree>
+    <p:extLst>
+      <p:ext uri="{BB962C8B-B14F-4D97-AF65-F5344CB8AC3E}">
+        <p14:creationId xmlns:p14="http://schemas.microsoft.com/office/powerpoint/2010/main" val="2795298360"/>
+      </p:ext>
+    </p:extLst>
+  </p:cSld>
+  <p:clrMapOvr>
+    <a:masterClrMapping/>
+  </p:clrMapOvr>
+</p:notes>
+</file>
+
+<file path=ppt/notesSlides/notesSlide12.xml><?xml version="1.0" encoding="utf-8"?>
+<p:notes xmlns:a="http://schemas.openxmlformats.org/drawingml/2006/main" xmlns:r="http://schemas.openxmlformats.org/officeDocument/2006/relationships" xmlns:p="http://schemas.openxmlformats.org/presentationml/2006/main">
+  <p:cSld>
+    <p:spTree>
+      <p:nvGrpSpPr>
+        <p:cNvPr id="1" name="">
+          <a:extLst>
+            <a:ext uri="{FF2B5EF4-FFF2-40B4-BE49-F238E27FC236}">
+              <a16:creationId xmlns:a16="http://schemas.microsoft.com/office/drawing/2014/main" id="{6F148A42-1D69-8A59-EC20-8479B937B59D}"/>
+            </a:ext>
+          </a:extLst>
+        </p:cNvPr>
+        <p:cNvGrpSpPr/>
+        <p:nvPr/>
+      </p:nvGrpSpPr>
+      <p:grpSpPr>
+        <a:xfrm>
+          <a:off x="0" y="0"/>
+          <a:ext cx="0" cy="0"/>
+          <a:chOff x="0" y="0"/>
+          <a:chExt cx="0" cy="0"/>
+        </a:xfrm>
+      </p:grpSpPr>
+      <p:sp>
+        <p:nvSpPr>
+          <p:cNvPr id="2" name="Slide Image Placeholder 1">
+            <a:extLst>
+              <a:ext uri="{FF2B5EF4-FFF2-40B4-BE49-F238E27FC236}">
+                <a16:creationId xmlns:a16="http://schemas.microsoft.com/office/drawing/2014/main" id="{8BF67710-2418-8B20-7746-CB31C7344CB5}"/>
+              </a:ext>
+            </a:extLst>
+          </p:cNvPr>
+          <p:cNvSpPr>
+            <a:spLocks noGrp="1" noRot="1" noChangeAspect="1"/>
+          </p:cNvSpPr>
+          <p:nvPr>
+            <p:ph type="sldImg"/>
+          </p:nvPr>
+        </p:nvSpPr>
+        <p:spPr/>
+      </p:sp>
+      <p:sp>
+        <p:nvSpPr>
+          <p:cNvPr id="3" name="Notes Placeholder 2">
+            <a:extLst>
+              <a:ext uri="{FF2B5EF4-FFF2-40B4-BE49-F238E27FC236}">
+                <a16:creationId xmlns:a16="http://schemas.microsoft.com/office/drawing/2014/main" id="{7FA9EC7B-BF11-ECCE-10E2-5E3E31A7536D}"/>
+              </a:ext>
+            </a:extLst>
+          </p:cNvPr>
+          <p:cNvSpPr>
+            <a:spLocks noGrp="1"/>
+          </p:cNvSpPr>
+          <p:nvPr>
+            <p:ph type="body" idx="1"/>
+          </p:nvPr>
+        </p:nvSpPr>
+        <p:spPr/>
+        <p:txBody>
+          <a:bodyPr/>
+          <a:lstStyle/>
+          <a:p>
+            <a:r>
+              <a:rPr lang="en-GB" dirty="0"/>
+              <a:t>ARC</a:t>
+            </a:r>
+          </a:p>
+          <a:p>
+            <a:r>
+              <a:rPr lang="en-GB" dirty="0"/>
+              <a:t>The circle, which is blue, is right of the triangle</a:t>
+            </a:r>
+          </a:p>
+          <a:p>
+            <a:r>
+              <a:rPr lang="en-GB" dirty="0"/>
+              <a:t>T + T</a:t>
+            </a:r>
+          </a:p>
+        </p:txBody>
+      </p:sp>
+      <p:sp>
+        <p:nvSpPr>
+          <p:cNvPr id="4" name="Slide Number Placeholder 3">
+            <a:extLst>
+              <a:ext uri="{FF2B5EF4-FFF2-40B4-BE49-F238E27FC236}">
+                <a16:creationId xmlns:a16="http://schemas.microsoft.com/office/drawing/2014/main" id="{CF74A4BF-FE15-522B-182F-FEE03AF42D7E}"/>
+              </a:ext>
+            </a:extLst>
+          </p:cNvPr>
+          <p:cNvSpPr>
+            <a:spLocks noGrp="1"/>
+          </p:cNvSpPr>
+          <p:nvPr>
+            <p:ph type="sldNum" sz="quarter" idx="5"/>
+          </p:nvPr>
+        </p:nvSpPr>
+        <p:spPr/>
+        <p:txBody>
+          <a:bodyPr/>
+          <a:lstStyle/>
+          <a:p>
+            <a:fld id="{B36E31BD-47D6-AF47-9BDE-D36BBCCAD48A}" type="slidenum">
+              <a:rPr lang="en-GB" smtClean="0"/>
+              <a:t>12</a:t>
+            </a:fld>
+            <a:endParaRPr lang="en-GB"/>
+          </a:p>
+        </p:txBody>
+      </p:sp>
+    </p:spTree>
+    <p:extLst>
+      <p:ext uri="{BB962C8B-B14F-4D97-AF65-F5344CB8AC3E}">
+        <p14:creationId xmlns:p14="http://schemas.microsoft.com/office/powerpoint/2010/main" val="1746403723"/>
+      </p:ext>
+    </p:extLst>
+  </p:cSld>
+  <p:clrMapOvr>
+    <a:masterClrMapping/>
+  </p:clrMapOvr>
+</p:notes>
+</file>
+
+<file path=ppt/notesSlides/notesSlide13.xml><?xml version="1.0" encoding="utf-8"?>
+<p:notes xmlns:a="http://schemas.openxmlformats.org/drawingml/2006/main" xmlns:r="http://schemas.openxmlformats.org/officeDocument/2006/relationships" xmlns:p="http://schemas.openxmlformats.org/presentationml/2006/main">
+  <p:cSld>
+    <p:spTree>
+      <p:nvGrpSpPr>
+        <p:cNvPr id="1" name="">
+          <a:extLst>
+            <a:ext uri="{FF2B5EF4-FFF2-40B4-BE49-F238E27FC236}">
+              <a16:creationId xmlns:a16="http://schemas.microsoft.com/office/drawing/2014/main" id="{E77ED574-21F8-6875-F058-B3DFF3CBD4A0}"/>
+            </a:ext>
+          </a:extLst>
+        </p:cNvPr>
+        <p:cNvGrpSpPr/>
+        <p:nvPr/>
+      </p:nvGrpSpPr>
+      <p:grpSpPr>
+        <a:xfrm>
+          <a:off x="0" y="0"/>
+          <a:ext cx="0" cy="0"/>
+          <a:chOff x="0" y="0"/>
+          <a:chExt cx="0" cy="0"/>
+        </a:xfrm>
+      </p:grpSpPr>
+      <p:sp>
+        <p:nvSpPr>
+          <p:cNvPr id="2" name="Slide Image Placeholder 1">
+            <a:extLst>
+              <a:ext uri="{FF2B5EF4-FFF2-40B4-BE49-F238E27FC236}">
+                <a16:creationId xmlns:a16="http://schemas.microsoft.com/office/drawing/2014/main" id="{61F0BC6E-6E8A-F6E8-29BD-9C7AA48848FA}"/>
+              </a:ext>
+            </a:extLst>
+          </p:cNvPr>
+          <p:cNvSpPr>
+            <a:spLocks noGrp="1" noRot="1" noChangeAspect="1"/>
+          </p:cNvSpPr>
+          <p:nvPr>
+            <p:ph type="sldImg"/>
+          </p:nvPr>
+        </p:nvSpPr>
+        <p:spPr/>
+      </p:sp>
+      <p:sp>
+        <p:nvSpPr>
+          <p:cNvPr id="3" name="Notes Placeholder 2">
+            <a:extLst>
+              <a:ext uri="{FF2B5EF4-FFF2-40B4-BE49-F238E27FC236}">
+                <a16:creationId xmlns:a16="http://schemas.microsoft.com/office/drawing/2014/main" id="{5A6329CC-4C50-DB79-6E20-070583C5EFCA}"/>
+              </a:ext>
+            </a:extLst>
+          </p:cNvPr>
+          <p:cNvSpPr>
+            <a:spLocks noGrp="1"/>
+          </p:cNvSpPr>
+          <p:nvPr>
+            <p:ph type="body" idx="1"/>
+          </p:nvPr>
+        </p:nvSpPr>
+        <p:spPr/>
+        <p:txBody>
+          <a:bodyPr/>
+          <a:lstStyle/>
+          <a:p>
+            <a:r>
+              <a:rPr lang="en-GB" dirty="0"/>
+              <a:t>ARC</a:t>
+            </a:r>
+          </a:p>
+          <a:p>
+            <a:r>
+              <a:rPr lang="en-GB" dirty="0"/>
+              <a:t>The circle, which is blue, is right of the triangle</a:t>
+            </a:r>
+          </a:p>
+          <a:p>
+            <a:r>
+              <a:rPr lang="en-GB" dirty="0"/>
+              <a:t>T + T</a:t>
+            </a:r>
+          </a:p>
+        </p:txBody>
+      </p:sp>
+      <p:sp>
+        <p:nvSpPr>
+          <p:cNvPr id="4" name="Slide Number Placeholder 3">
+            <a:extLst>
+              <a:ext uri="{FF2B5EF4-FFF2-40B4-BE49-F238E27FC236}">
+                <a16:creationId xmlns:a16="http://schemas.microsoft.com/office/drawing/2014/main" id="{073F2B30-97CA-5240-68F5-A96A12A223E4}"/>
+              </a:ext>
+            </a:extLst>
+          </p:cNvPr>
+          <p:cNvSpPr>
+            <a:spLocks noGrp="1"/>
+          </p:cNvSpPr>
+          <p:nvPr>
+            <p:ph type="sldNum" sz="quarter" idx="5"/>
+          </p:nvPr>
+        </p:nvSpPr>
+        <p:spPr/>
+        <p:txBody>
+          <a:bodyPr/>
+          <a:lstStyle/>
+          <a:p>
+            <a:fld id="{B36E31BD-47D6-AF47-9BDE-D36BBCCAD48A}" type="slidenum">
+              <a:rPr lang="en-GB" smtClean="0"/>
+              <a:t>13</a:t>
+            </a:fld>
+            <a:endParaRPr lang="en-GB"/>
+          </a:p>
+        </p:txBody>
+      </p:sp>
+    </p:spTree>
+    <p:extLst>
+      <p:ext uri="{BB962C8B-B14F-4D97-AF65-F5344CB8AC3E}">
+        <p14:creationId xmlns:p14="http://schemas.microsoft.com/office/powerpoint/2010/main" val="475424090"/>
+      </p:ext>
+    </p:extLst>
+  </p:cSld>
+  <p:clrMapOvr>
+    <a:masterClrMapping/>
+  </p:clrMapOvr>
+</p:notes>
+</file>
+
+<file path=ppt/notesSlides/notesSlide14.xml><?xml version="1.0" encoding="utf-8"?>
+<p:notes xmlns:a="http://schemas.openxmlformats.org/drawingml/2006/main" xmlns:r="http://schemas.openxmlformats.org/officeDocument/2006/relationships" xmlns:p="http://schemas.openxmlformats.org/presentationml/2006/main">
+  <p:cSld>
+    <p:spTree>
+      <p:nvGrpSpPr>
+        <p:cNvPr id="1" name="">
+          <a:extLst>
+            <a:ext uri="{FF2B5EF4-FFF2-40B4-BE49-F238E27FC236}">
+              <a16:creationId xmlns:a16="http://schemas.microsoft.com/office/drawing/2014/main" id="{19180639-9A01-5FEA-EDC5-E748CB331850}"/>
+            </a:ext>
+          </a:extLst>
+        </p:cNvPr>
+        <p:cNvGrpSpPr/>
+        <p:nvPr/>
+      </p:nvGrpSpPr>
+      <p:grpSpPr>
+        <a:xfrm>
+          <a:off x="0" y="0"/>
+          <a:ext cx="0" cy="0"/>
+          <a:chOff x="0" y="0"/>
+          <a:chExt cx="0" cy="0"/>
+        </a:xfrm>
+      </p:grpSpPr>
+      <p:sp>
+        <p:nvSpPr>
+          <p:cNvPr id="2" name="Slide Image Placeholder 1">
+            <a:extLst>
+              <a:ext uri="{FF2B5EF4-FFF2-40B4-BE49-F238E27FC236}">
+                <a16:creationId xmlns:a16="http://schemas.microsoft.com/office/drawing/2014/main" id="{954941EE-AE78-292E-552D-673B7DF26004}"/>
+              </a:ext>
+            </a:extLst>
+          </p:cNvPr>
+          <p:cNvSpPr>
+            <a:spLocks noGrp="1" noRot="1" noChangeAspect="1"/>
+          </p:cNvSpPr>
+          <p:nvPr>
+            <p:ph type="sldImg"/>
+          </p:nvPr>
+        </p:nvSpPr>
+        <p:spPr/>
+      </p:sp>
+      <p:sp>
+        <p:nvSpPr>
+          <p:cNvPr id="3" name="Notes Placeholder 2">
+            <a:extLst>
+              <a:ext uri="{FF2B5EF4-FFF2-40B4-BE49-F238E27FC236}">
+                <a16:creationId xmlns:a16="http://schemas.microsoft.com/office/drawing/2014/main" id="{4CF80EBB-FB98-4FB6-CF2D-1015601464AB}"/>
+              </a:ext>
+            </a:extLst>
+          </p:cNvPr>
+          <p:cNvSpPr>
+            <a:spLocks noGrp="1"/>
+          </p:cNvSpPr>
+          <p:nvPr>
+            <p:ph type="body" idx="1"/>
+          </p:nvPr>
+        </p:nvSpPr>
+        <p:spPr/>
+        <p:txBody>
+          <a:bodyPr/>
+          <a:lstStyle/>
+          <a:p>
+            <a:r>
+              <a:rPr lang="en-GB" dirty="0"/>
+              <a:t>ARC</a:t>
+            </a:r>
+          </a:p>
+          <a:p>
+            <a:r>
+              <a:rPr lang="en-GB" dirty="0"/>
+              <a:t>The circle, which is blue, is right of the triangle</a:t>
+            </a:r>
+          </a:p>
+          <a:p>
+            <a:r>
+              <a:rPr lang="en-GB" dirty="0"/>
+              <a:t>T + T</a:t>
+            </a:r>
+          </a:p>
+        </p:txBody>
+      </p:sp>
+      <p:sp>
+        <p:nvSpPr>
+          <p:cNvPr id="4" name="Slide Number Placeholder 3">
+            <a:extLst>
+              <a:ext uri="{FF2B5EF4-FFF2-40B4-BE49-F238E27FC236}">
+                <a16:creationId xmlns:a16="http://schemas.microsoft.com/office/drawing/2014/main" id="{97ACB5C9-0D21-3694-992D-013B4107D1C8}"/>
+              </a:ext>
+            </a:extLst>
+          </p:cNvPr>
+          <p:cNvSpPr>
+            <a:spLocks noGrp="1"/>
+          </p:cNvSpPr>
+          <p:nvPr>
+            <p:ph type="sldNum" sz="quarter" idx="5"/>
+          </p:nvPr>
+        </p:nvSpPr>
+        <p:spPr/>
+        <p:txBody>
+          <a:bodyPr/>
+          <a:lstStyle/>
+          <a:p>
+            <a:fld id="{B36E31BD-47D6-AF47-9BDE-D36BBCCAD48A}" type="slidenum">
+              <a:rPr lang="en-GB" smtClean="0"/>
+              <a:t>14</a:t>
+            </a:fld>
+            <a:endParaRPr lang="en-GB"/>
+          </a:p>
+        </p:txBody>
+      </p:sp>
+    </p:spTree>
+    <p:extLst>
+      <p:ext uri="{BB962C8B-B14F-4D97-AF65-F5344CB8AC3E}">
+        <p14:creationId xmlns:p14="http://schemas.microsoft.com/office/powerpoint/2010/main" val="2180985024"/>
+      </p:ext>
+    </p:extLst>
+  </p:cSld>
+  <p:clrMapOvr>
+    <a:masterClrMapping/>
+  </p:clrMapOvr>
+</p:notes>
+</file>
+
+<file path=ppt/notesSlides/notesSlide15.xml><?xml version="1.0" encoding="utf-8"?>
+<p:notes xmlns:a="http://schemas.openxmlformats.org/drawingml/2006/main" xmlns:r="http://schemas.openxmlformats.org/officeDocument/2006/relationships" xmlns:p="http://schemas.openxmlformats.org/presentationml/2006/main">
+  <p:cSld>
+    <p:spTree>
+      <p:nvGrpSpPr>
+        <p:cNvPr id="1" name="">
+          <a:extLst>
+            <a:ext uri="{FF2B5EF4-FFF2-40B4-BE49-F238E27FC236}">
+              <a16:creationId xmlns:a16="http://schemas.microsoft.com/office/drawing/2014/main" id="{6CFE4189-3499-2027-F5E9-E791468457A2}"/>
+            </a:ext>
+          </a:extLst>
+        </p:cNvPr>
+        <p:cNvGrpSpPr/>
+        <p:nvPr/>
+      </p:nvGrpSpPr>
+      <p:grpSpPr>
+        <a:xfrm>
+          <a:off x="0" y="0"/>
+          <a:ext cx="0" cy="0"/>
+          <a:chOff x="0" y="0"/>
+          <a:chExt cx="0" cy="0"/>
+        </a:xfrm>
+      </p:grpSpPr>
+      <p:sp>
+        <p:nvSpPr>
+          <p:cNvPr id="2" name="Slide Image Placeholder 1">
+            <a:extLst>
+              <a:ext uri="{FF2B5EF4-FFF2-40B4-BE49-F238E27FC236}">
+                <a16:creationId xmlns:a16="http://schemas.microsoft.com/office/drawing/2014/main" id="{B6DC8CA2-E315-E858-EB3C-512818BB138F}"/>
+              </a:ext>
+            </a:extLst>
+          </p:cNvPr>
+          <p:cNvSpPr>
+            <a:spLocks noGrp="1" noRot="1" noChangeAspect="1"/>
+          </p:cNvSpPr>
+          <p:nvPr>
+            <p:ph type="sldImg"/>
+          </p:nvPr>
+        </p:nvSpPr>
+        <p:spPr/>
+      </p:sp>
+      <p:sp>
+        <p:nvSpPr>
+          <p:cNvPr id="3" name="Notes Placeholder 2">
+            <a:extLst>
+              <a:ext uri="{FF2B5EF4-FFF2-40B4-BE49-F238E27FC236}">
+                <a16:creationId xmlns:a16="http://schemas.microsoft.com/office/drawing/2014/main" id="{3B7B9F91-E976-7846-29AE-7E2754BF9DFA}"/>
+              </a:ext>
+            </a:extLst>
+          </p:cNvPr>
+          <p:cNvSpPr>
+            <a:spLocks noGrp="1"/>
+          </p:cNvSpPr>
+          <p:nvPr>
+            <p:ph type="body" idx="1"/>
+          </p:nvPr>
+        </p:nvSpPr>
+        <p:spPr/>
+        <p:txBody>
+          <a:bodyPr/>
+          <a:lstStyle/>
+          <a:p>
+            <a:r>
+              <a:rPr lang="en-GB" dirty="0"/>
+              <a:t>ARC</a:t>
+            </a:r>
+          </a:p>
+          <a:p>
+            <a:r>
+              <a:rPr lang="en-GB" dirty="0"/>
+              <a:t>The circle, which is blue, is right of the triangle</a:t>
+            </a:r>
+          </a:p>
+          <a:p>
+            <a:r>
+              <a:rPr lang="en-GB" dirty="0"/>
+              <a:t>T + T</a:t>
+            </a:r>
+          </a:p>
+        </p:txBody>
+      </p:sp>
+      <p:sp>
+        <p:nvSpPr>
+          <p:cNvPr id="4" name="Slide Number Placeholder 3">
+            <a:extLst>
+              <a:ext uri="{FF2B5EF4-FFF2-40B4-BE49-F238E27FC236}">
+                <a16:creationId xmlns:a16="http://schemas.microsoft.com/office/drawing/2014/main" id="{04985FAE-005E-510D-3072-4E63A7F17112}"/>
+              </a:ext>
+            </a:extLst>
+          </p:cNvPr>
+          <p:cNvSpPr>
+            <a:spLocks noGrp="1"/>
+          </p:cNvSpPr>
+          <p:nvPr>
+            <p:ph type="sldNum" sz="quarter" idx="5"/>
+          </p:nvPr>
+        </p:nvSpPr>
+        <p:spPr/>
+        <p:txBody>
+          <a:bodyPr/>
+          <a:lstStyle/>
+          <a:p>
+            <a:fld id="{B36E31BD-47D6-AF47-9BDE-D36BBCCAD48A}" type="slidenum">
+              <a:rPr lang="en-GB" smtClean="0"/>
+              <a:t>15</a:t>
+            </a:fld>
+            <a:endParaRPr lang="en-GB"/>
+          </a:p>
+        </p:txBody>
+      </p:sp>
+    </p:spTree>
+    <p:extLst>
+      <p:ext uri="{BB962C8B-B14F-4D97-AF65-F5344CB8AC3E}">
+        <p14:creationId xmlns:p14="http://schemas.microsoft.com/office/powerpoint/2010/main" val="817650233"/>
+      </p:ext>
+    </p:extLst>
+  </p:cSld>
+  <p:clrMapOvr>
+    <a:masterClrMapping/>
+  </p:clrMapOvr>
+</p:notes>
+</file>
+
+<file path=ppt/notesSlides/notesSlide16.xml><?xml version="1.0" encoding="utf-8"?>
+<p:notes xmlns:a="http://schemas.openxmlformats.org/drawingml/2006/main" xmlns:r="http://schemas.openxmlformats.org/officeDocument/2006/relationships" xmlns:p="http://schemas.openxmlformats.org/presentationml/2006/main">
+  <p:cSld>
+    <p:spTree>
+      <p:nvGrpSpPr>
+        <p:cNvPr id="1" name="">
+          <a:extLst>
+            <a:ext uri="{FF2B5EF4-FFF2-40B4-BE49-F238E27FC236}">
+              <a16:creationId xmlns:a16="http://schemas.microsoft.com/office/drawing/2014/main" id="{16EEA856-DA32-3063-EDE0-DE984F43DCA9}"/>
+            </a:ext>
+          </a:extLst>
+        </p:cNvPr>
+        <p:cNvGrpSpPr/>
+        <p:nvPr/>
+      </p:nvGrpSpPr>
+      <p:grpSpPr>
+        <a:xfrm>
+          <a:off x="0" y="0"/>
+          <a:ext cx="0" cy="0"/>
+          <a:chOff x="0" y="0"/>
+          <a:chExt cx="0" cy="0"/>
+        </a:xfrm>
+      </p:grpSpPr>
+      <p:sp>
+        <p:nvSpPr>
+          <p:cNvPr id="2" name="Slide Image Placeholder 1">
+            <a:extLst>
+              <a:ext uri="{FF2B5EF4-FFF2-40B4-BE49-F238E27FC236}">
+                <a16:creationId xmlns:a16="http://schemas.microsoft.com/office/drawing/2014/main" id="{545DC434-5410-66D5-EC60-69A651DE8B70}"/>
+              </a:ext>
+            </a:extLst>
+          </p:cNvPr>
+          <p:cNvSpPr>
+            <a:spLocks noGrp="1" noRot="1" noChangeAspect="1"/>
+          </p:cNvSpPr>
+          <p:nvPr>
+            <p:ph type="sldImg"/>
+          </p:nvPr>
+        </p:nvSpPr>
+        <p:spPr/>
+      </p:sp>
+      <p:sp>
+        <p:nvSpPr>
+          <p:cNvPr id="3" name="Notes Placeholder 2">
+            <a:extLst>
+              <a:ext uri="{FF2B5EF4-FFF2-40B4-BE49-F238E27FC236}">
+                <a16:creationId xmlns:a16="http://schemas.microsoft.com/office/drawing/2014/main" id="{F036BCFF-F434-66FC-CDF3-93AA9371D7B7}"/>
+              </a:ext>
+            </a:extLst>
+          </p:cNvPr>
+          <p:cNvSpPr>
+            <a:spLocks noGrp="1"/>
+          </p:cNvSpPr>
+          <p:nvPr>
+            <p:ph type="body" idx="1"/>
+          </p:nvPr>
+        </p:nvSpPr>
+        <p:spPr/>
+        <p:txBody>
+          <a:bodyPr/>
+          <a:lstStyle/>
+          <a:p>
+            <a:r>
+              <a:rPr lang="en-GB" dirty="0"/>
+              <a:t>ARC</a:t>
+            </a:r>
+          </a:p>
+          <a:p>
+            <a:r>
+              <a:rPr lang="en-GB" dirty="0"/>
+              <a:t>The circle, which is blue, is right of the triangle</a:t>
+            </a:r>
+          </a:p>
+          <a:p>
+            <a:r>
+              <a:rPr lang="en-GB" dirty="0"/>
+              <a:t>T + T</a:t>
+            </a:r>
+          </a:p>
+        </p:txBody>
+      </p:sp>
+      <p:sp>
+        <p:nvSpPr>
+          <p:cNvPr id="4" name="Slide Number Placeholder 3">
+            <a:extLst>
+              <a:ext uri="{FF2B5EF4-FFF2-40B4-BE49-F238E27FC236}">
+                <a16:creationId xmlns:a16="http://schemas.microsoft.com/office/drawing/2014/main" id="{CA151261-EE74-610C-7529-DADE5E8FFB79}"/>
+              </a:ext>
+            </a:extLst>
+          </p:cNvPr>
+          <p:cNvSpPr>
+            <a:spLocks noGrp="1"/>
+          </p:cNvSpPr>
+          <p:nvPr>
+            <p:ph type="sldNum" sz="quarter" idx="5"/>
+          </p:nvPr>
+        </p:nvSpPr>
+        <p:spPr/>
+        <p:txBody>
+          <a:bodyPr/>
+          <a:lstStyle/>
+          <a:p>
+            <a:fld id="{B36E31BD-47D6-AF47-9BDE-D36BBCCAD48A}" type="slidenum">
+              <a:rPr lang="en-GB" smtClean="0"/>
+              <a:t>16</a:t>
+            </a:fld>
+            <a:endParaRPr lang="en-GB"/>
+          </a:p>
+        </p:txBody>
+      </p:sp>
+    </p:spTree>
+    <p:extLst>
+      <p:ext uri="{BB962C8B-B14F-4D97-AF65-F5344CB8AC3E}">
+        <p14:creationId xmlns:p14="http://schemas.microsoft.com/office/powerpoint/2010/main" val="2894080465"/>
+      </p:ext>
+    </p:extLst>
+  </p:cSld>
+  <p:clrMapOvr>
+    <a:masterClrMapping/>
+  </p:clrMapOvr>
+</p:notes>
+</file>
+
+<file path=ppt/notesSlides/notesSlide17.xml><?xml version="1.0" encoding="utf-8"?>
+<p:notes xmlns:a="http://schemas.openxmlformats.org/drawingml/2006/main" xmlns:r="http://schemas.openxmlformats.org/officeDocument/2006/relationships" xmlns:p="http://schemas.openxmlformats.org/presentationml/2006/main">
+  <p:cSld>
+    <p:spTree>
+      <p:nvGrpSpPr>
+        <p:cNvPr id="1" name="">
+          <a:extLst>
+            <a:ext uri="{FF2B5EF4-FFF2-40B4-BE49-F238E27FC236}">
+              <a16:creationId xmlns:a16="http://schemas.microsoft.com/office/drawing/2014/main" id="{8D474B92-F0CC-051E-7155-5365536A026F}"/>
+            </a:ext>
+          </a:extLst>
+        </p:cNvPr>
+        <p:cNvGrpSpPr/>
+        <p:nvPr/>
+      </p:nvGrpSpPr>
+      <p:grpSpPr>
+        <a:xfrm>
+          <a:off x="0" y="0"/>
+          <a:ext cx="0" cy="0"/>
+          <a:chOff x="0" y="0"/>
+          <a:chExt cx="0" cy="0"/>
+        </a:xfrm>
+      </p:grpSpPr>
+      <p:sp>
+        <p:nvSpPr>
+          <p:cNvPr id="2" name="Slide Image Placeholder 1">
+            <a:extLst>
+              <a:ext uri="{FF2B5EF4-FFF2-40B4-BE49-F238E27FC236}">
+                <a16:creationId xmlns:a16="http://schemas.microsoft.com/office/drawing/2014/main" id="{BFF199FD-82D0-2061-F92C-80A45ED35B93}"/>
+              </a:ext>
+            </a:extLst>
+          </p:cNvPr>
+          <p:cNvSpPr>
+            <a:spLocks noGrp="1" noRot="1" noChangeAspect="1"/>
+          </p:cNvSpPr>
+          <p:nvPr>
+            <p:ph type="sldImg"/>
+          </p:nvPr>
+        </p:nvSpPr>
+        <p:spPr/>
+      </p:sp>
+      <p:sp>
+        <p:nvSpPr>
+          <p:cNvPr id="3" name="Notes Placeholder 2">
+            <a:extLst>
+              <a:ext uri="{FF2B5EF4-FFF2-40B4-BE49-F238E27FC236}">
+                <a16:creationId xmlns:a16="http://schemas.microsoft.com/office/drawing/2014/main" id="{A630116C-C909-BE5B-103F-E16282ED10FD}"/>
+              </a:ext>
+            </a:extLst>
+          </p:cNvPr>
+          <p:cNvSpPr>
+            <a:spLocks noGrp="1"/>
+          </p:cNvSpPr>
+          <p:nvPr>
+            <p:ph type="body" idx="1"/>
+          </p:nvPr>
+        </p:nvSpPr>
+        <p:spPr/>
+        <p:txBody>
+          <a:bodyPr/>
+          <a:lstStyle/>
+          <a:p>
+            <a:r>
+              <a:rPr lang="en-GB" dirty="0"/>
+              <a:t>ARC</a:t>
+            </a:r>
+          </a:p>
+          <a:p>
+            <a:r>
+              <a:rPr lang="en-GB" dirty="0"/>
+              <a:t>The circle, which is blue, is right of the triangle</a:t>
+            </a:r>
+          </a:p>
+          <a:p>
+            <a:r>
+              <a:rPr lang="en-GB" dirty="0"/>
+              <a:t>T + T</a:t>
+            </a:r>
+          </a:p>
+        </p:txBody>
+      </p:sp>
+      <p:sp>
+        <p:nvSpPr>
+          <p:cNvPr id="4" name="Slide Number Placeholder 3">
+            <a:extLst>
+              <a:ext uri="{FF2B5EF4-FFF2-40B4-BE49-F238E27FC236}">
+                <a16:creationId xmlns:a16="http://schemas.microsoft.com/office/drawing/2014/main" id="{F44428EF-BC86-A16B-1EBE-4FFF606CFB15}"/>
+              </a:ext>
+            </a:extLst>
+          </p:cNvPr>
+          <p:cNvSpPr>
+            <a:spLocks noGrp="1"/>
+          </p:cNvSpPr>
+          <p:nvPr>
+            <p:ph type="sldNum" sz="quarter" idx="5"/>
+          </p:nvPr>
+        </p:nvSpPr>
+        <p:spPr/>
+        <p:txBody>
+          <a:bodyPr/>
+          <a:lstStyle/>
+          <a:p>
+            <a:fld id="{B36E31BD-47D6-AF47-9BDE-D36BBCCAD48A}" type="slidenum">
+              <a:rPr lang="en-GB" smtClean="0"/>
+              <a:t>17</a:t>
+            </a:fld>
+            <a:endParaRPr lang="en-GB"/>
+          </a:p>
+        </p:txBody>
+      </p:sp>
+    </p:spTree>
+    <p:extLst>
+      <p:ext uri="{BB962C8B-B14F-4D97-AF65-F5344CB8AC3E}">
+        <p14:creationId xmlns:p14="http://schemas.microsoft.com/office/powerpoint/2010/main" val="1456042008"/>
+      </p:ext>
+    </p:extLst>
+  </p:cSld>
+  <p:clrMapOvr>
+    <a:masterClrMapping/>
+  </p:clrMapOvr>
+</p:notes>
+</file>
+
+<file path=ppt/notesSlides/notesSlide2.xml><?xml version="1.0" encoding="utf-8"?>
+<p:notes xmlns:a="http://schemas.openxmlformats.org/drawingml/2006/main" xmlns:r="http://schemas.openxmlformats.org/officeDocument/2006/relationships" xmlns:p="http://schemas.openxmlformats.org/presentationml/2006/main">
+  <p:cSld>
+    <p:spTree>
+      <p:nvGrpSpPr>
+        <p:cNvPr id="1" name=""/>
+        <p:cNvGrpSpPr/>
+        <p:nvPr/>
+      </p:nvGrpSpPr>
+      <p:grpSpPr>
+        <a:xfrm>
+          <a:off x="0" y="0"/>
+          <a:ext cx="0" cy="0"/>
+          <a:chOff x="0" y="0"/>
+          <a:chExt cx="0" cy="0"/>
+        </a:xfrm>
+      </p:grpSpPr>
+      <p:sp>
+        <p:nvSpPr>
+          <p:cNvPr id="2" name="Slide Image Placeholder 1"/>
+          <p:cNvSpPr>
+            <a:spLocks noGrp="1" noRot="1" noChangeAspect="1"/>
+          </p:cNvSpPr>
+          <p:nvPr>
+            <p:ph type="sldImg"/>
+          </p:nvPr>
+        </p:nvSpPr>
+        <p:spPr/>
+      </p:sp>
+      <p:sp>
+        <p:nvSpPr>
+          <p:cNvPr id="3" name="Notes Placeholder 2"/>
+          <p:cNvSpPr>
+            <a:spLocks noGrp="1"/>
+          </p:cNvSpPr>
+          <p:nvPr>
+            <p:ph type="body" idx="1"/>
+          </p:nvPr>
+        </p:nvSpPr>
+        <p:spPr/>
+        <p:txBody>
+          <a:bodyPr/>
+          <a:lstStyle/>
+          <a:p>
+            <a:r>
+              <a:rPr lang="en-GB" dirty="0"/>
+              <a:t>ARC</a:t>
+            </a:r>
+          </a:p>
+          <a:p>
+            <a:r>
+              <a:rPr lang="en-GB" dirty="0"/>
+              <a:t>The circle, which is blue, is right of the triangle</a:t>
+            </a:r>
+          </a:p>
+          <a:p>
+            <a:r>
+              <a:rPr lang="en-GB" dirty="0"/>
+              <a:t>T + T</a:t>
+            </a:r>
+          </a:p>
+        </p:txBody>
+      </p:sp>
+      <p:sp>
+        <p:nvSpPr>
+          <p:cNvPr id="4" name="Slide Number Placeholder 3"/>
+          <p:cNvSpPr>
+            <a:spLocks noGrp="1"/>
+          </p:cNvSpPr>
+          <p:nvPr>
+            <p:ph type="sldNum" sz="quarter" idx="5"/>
+          </p:nvPr>
+        </p:nvSpPr>
+        <p:spPr/>
+        <p:txBody>
+          <a:bodyPr/>
+          <a:lstStyle/>
+          <a:p>
+            <a:fld id="{B36E31BD-47D6-AF47-9BDE-D36BBCCAD48A}" type="slidenum">
+              <a:rPr lang="en-GB" smtClean="0"/>
+              <a:t>2</a:t>
+            </a:fld>
+            <a:endParaRPr lang="en-GB"/>
+          </a:p>
+        </p:txBody>
+      </p:sp>
+    </p:spTree>
+    <p:extLst>
+      <p:ext uri="{BB962C8B-B14F-4D97-AF65-F5344CB8AC3E}">
+        <p14:creationId xmlns:p14="http://schemas.microsoft.com/office/powerpoint/2010/main" val="2709311642"/>
+      </p:ext>
+    </p:extLst>
+  </p:cSld>
+  <p:clrMapOvr>
+    <a:masterClrMapping/>
+  </p:clrMapOvr>
+</p:notes>
+</file>
+
+<file path=ppt/notesSlides/notesSlide3.xml><?xml version="1.0" encoding="utf-8"?>
+<p:notes xmlns:a="http://schemas.openxmlformats.org/drawingml/2006/main" xmlns:r="http://schemas.openxmlformats.org/officeDocument/2006/relationships" xmlns:p="http://schemas.openxmlformats.org/presentationml/2006/main">
+  <p:cSld>
+    <p:spTree>
+      <p:nvGrpSpPr>
+        <p:cNvPr id="1" name="">
+          <a:extLst>
+            <a:ext uri="{FF2B5EF4-FFF2-40B4-BE49-F238E27FC236}">
+              <a16:creationId xmlns:a16="http://schemas.microsoft.com/office/drawing/2014/main" id="{768AF41A-3C93-1625-2397-BFD065329542}"/>
+            </a:ext>
+          </a:extLst>
+        </p:cNvPr>
+        <p:cNvGrpSpPr/>
+        <p:nvPr/>
+      </p:nvGrpSpPr>
+      <p:grpSpPr>
+        <a:xfrm>
+          <a:off x="0" y="0"/>
+          <a:ext cx="0" cy="0"/>
+          <a:chOff x="0" y="0"/>
+          <a:chExt cx="0" cy="0"/>
+        </a:xfrm>
+      </p:grpSpPr>
+      <p:sp>
+        <p:nvSpPr>
+          <p:cNvPr id="2" name="Slide Image Placeholder 1">
+            <a:extLst>
+              <a:ext uri="{FF2B5EF4-FFF2-40B4-BE49-F238E27FC236}">
+                <a16:creationId xmlns:a16="http://schemas.microsoft.com/office/drawing/2014/main" id="{D8369A94-1824-349B-8D61-C468659E58F3}"/>
+              </a:ext>
+            </a:extLst>
+          </p:cNvPr>
+          <p:cNvSpPr>
+            <a:spLocks noGrp="1" noRot="1" noChangeAspect="1"/>
+          </p:cNvSpPr>
+          <p:nvPr>
+            <p:ph type="sldImg"/>
+          </p:nvPr>
+        </p:nvSpPr>
+        <p:spPr/>
+      </p:sp>
+      <p:sp>
+        <p:nvSpPr>
+          <p:cNvPr id="3" name="Notes Placeholder 2">
+            <a:extLst>
+              <a:ext uri="{FF2B5EF4-FFF2-40B4-BE49-F238E27FC236}">
+                <a16:creationId xmlns:a16="http://schemas.microsoft.com/office/drawing/2014/main" id="{133A9EA1-1F87-1CBE-4BC2-E39B93D0095C}"/>
+              </a:ext>
+            </a:extLst>
+          </p:cNvPr>
+          <p:cNvSpPr>
+            <a:spLocks noGrp="1"/>
+          </p:cNvSpPr>
+          <p:nvPr>
+            <p:ph type="body" idx="1"/>
+          </p:nvPr>
+        </p:nvSpPr>
+        <p:spPr/>
+        <p:txBody>
+          <a:bodyPr/>
+          <a:lstStyle/>
+          <a:p>
+            <a:r>
+              <a:rPr lang="en-GB" dirty="0"/>
+              <a:t>ARC</a:t>
+            </a:r>
+          </a:p>
+          <a:p>
+            <a:r>
+              <a:rPr lang="en-GB" dirty="0"/>
+              <a:t>The circle, which is blue, is right of the triangle</a:t>
+            </a:r>
+          </a:p>
+          <a:p>
+            <a:r>
+              <a:rPr lang="en-GB" dirty="0"/>
+              <a:t>T + T</a:t>
+            </a:r>
+          </a:p>
+        </p:txBody>
+      </p:sp>
+      <p:sp>
+        <p:nvSpPr>
+          <p:cNvPr id="4" name="Slide Number Placeholder 3">
+            <a:extLst>
+              <a:ext uri="{FF2B5EF4-FFF2-40B4-BE49-F238E27FC236}">
+                <a16:creationId xmlns:a16="http://schemas.microsoft.com/office/drawing/2014/main" id="{DE8B6509-EABA-DCA1-2A37-BD28ABEF9158}"/>
+              </a:ext>
+            </a:extLst>
+          </p:cNvPr>
+          <p:cNvSpPr>
+            <a:spLocks noGrp="1"/>
+          </p:cNvSpPr>
+          <p:nvPr>
+            <p:ph type="sldNum" sz="quarter" idx="5"/>
+          </p:nvPr>
+        </p:nvSpPr>
+        <p:spPr/>
+        <p:txBody>
+          <a:bodyPr/>
+          <a:lstStyle/>
+          <a:p>
+            <a:fld id="{B36E31BD-47D6-AF47-9BDE-D36BBCCAD48A}" type="slidenum">
+              <a:rPr lang="en-GB" smtClean="0"/>
+              <a:t>3</a:t>
+            </a:fld>
+            <a:endParaRPr lang="en-GB"/>
+          </a:p>
+        </p:txBody>
+      </p:sp>
+    </p:spTree>
+    <p:extLst>
+      <p:ext uri="{BB962C8B-B14F-4D97-AF65-F5344CB8AC3E}">
+        <p14:creationId xmlns:p14="http://schemas.microsoft.com/office/powerpoint/2010/main" val="1181400726"/>
+      </p:ext>
+    </p:extLst>
+  </p:cSld>
+  <p:clrMapOvr>
+    <a:masterClrMapping/>
+  </p:clrMapOvr>
+</p:notes>
+</file>
+
+<file path=ppt/notesSlides/notesSlide4.xml><?xml version="1.0" encoding="utf-8"?>
+<p:notes xmlns:a="http://schemas.openxmlformats.org/drawingml/2006/main" xmlns:r="http://schemas.openxmlformats.org/officeDocument/2006/relationships" xmlns:p="http://schemas.openxmlformats.org/presentationml/2006/main">
+  <p:cSld>
+    <p:spTree>
+      <p:nvGrpSpPr>
+        <p:cNvPr id="1" name="">
+          <a:extLst>
+            <a:ext uri="{FF2B5EF4-FFF2-40B4-BE49-F238E27FC236}">
+              <a16:creationId xmlns:a16="http://schemas.microsoft.com/office/drawing/2014/main" id="{4765BC46-7F8E-3858-33C7-E79E3849115C}"/>
+            </a:ext>
+          </a:extLst>
+        </p:cNvPr>
+        <p:cNvGrpSpPr/>
+        <p:nvPr/>
+      </p:nvGrpSpPr>
+      <p:grpSpPr>
+        <a:xfrm>
+          <a:off x="0" y="0"/>
+          <a:ext cx="0" cy="0"/>
+          <a:chOff x="0" y="0"/>
+          <a:chExt cx="0" cy="0"/>
+        </a:xfrm>
+      </p:grpSpPr>
+      <p:sp>
+        <p:nvSpPr>
+          <p:cNvPr id="2" name="Slide Image Placeholder 1">
+            <a:extLst>
+              <a:ext uri="{FF2B5EF4-FFF2-40B4-BE49-F238E27FC236}">
+                <a16:creationId xmlns:a16="http://schemas.microsoft.com/office/drawing/2014/main" id="{72A8FF32-C7A3-4E85-63D3-095A9B51A00E}"/>
+              </a:ext>
+            </a:extLst>
+          </p:cNvPr>
+          <p:cNvSpPr>
+            <a:spLocks noGrp="1" noRot="1" noChangeAspect="1"/>
+          </p:cNvSpPr>
+          <p:nvPr>
+            <p:ph type="sldImg"/>
+          </p:nvPr>
+        </p:nvSpPr>
+        <p:spPr/>
+      </p:sp>
+      <p:sp>
+        <p:nvSpPr>
+          <p:cNvPr id="3" name="Notes Placeholder 2">
+            <a:extLst>
+              <a:ext uri="{FF2B5EF4-FFF2-40B4-BE49-F238E27FC236}">
+                <a16:creationId xmlns:a16="http://schemas.microsoft.com/office/drawing/2014/main" id="{1005CAC3-C770-20B1-EBCF-90DCE4F167DC}"/>
+              </a:ext>
+            </a:extLst>
+          </p:cNvPr>
+          <p:cNvSpPr>
+            <a:spLocks noGrp="1"/>
+          </p:cNvSpPr>
+          <p:nvPr>
+            <p:ph type="body" idx="1"/>
+          </p:nvPr>
+        </p:nvSpPr>
+        <p:spPr/>
+        <p:txBody>
+          <a:bodyPr/>
+          <a:lstStyle/>
+          <a:p>
+            <a:r>
+              <a:rPr lang="en-GB" dirty="0"/>
+              <a:t>ARC</a:t>
+            </a:r>
+          </a:p>
+          <a:p>
+            <a:r>
+              <a:rPr lang="en-GB" dirty="0"/>
+              <a:t>The circle, which is blue, is right of the triangle</a:t>
+            </a:r>
+          </a:p>
+          <a:p>
+            <a:r>
+              <a:rPr lang="en-GB" dirty="0"/>
+              <a:t>T + T</a:t>
+            </a:r>
+          </a:p>
+        </p:txBody>
+      </p:sp>
+      <p:sp>
+        <p:nvSpPr>
+          <p:cNvPr id="4" name="Slide Number Placeholder 3">
+            <a:extLst>
+              <a:ext uri="{FF2B5EF4-FFF2-40B4-BE49-F238E27FC236}">
+                <a16:creationId xmlns:a16="http://schemas.microsoft.com/office/drawing/2014/main" id="{C9320B0C-D2E0-11D6-D809-1CB9B329E619}"/>
+              </a:ext>
+            </a:extLst>
+          </p:cNvPr>
+          <p:cNvSpPr>
+            <a:spLocks noGrp="1"/>
+          </p:cNvSpPr>
+          <p:nvPr>
+            <p:ph type="sldNum" sz="quarter" idx="5"/>
+          </p:nvPr>
+        </p:nvSpPr>
+        <p:spPr/>
+        <p:txBody>
+          <a:bodyPr/>
+          <a:lstStyle/>
+          <a:p>
+            <a:fld id="{B36E31BD-47D6-AF47-9BDE-D36BBCCAD48A}" type="slidenum">
+              <a:rPr lang="en-GB" smtClean="0"/>
+              <a:t>4</a:t>
+            </a:fld>
+            <a:endParaRPr lang="en-GB"/>
+          </a:p>
+        </p:txBody>
+      </p:sp>
+    </p:spTree>
+    <p:extLst>
+      <p:ext uri="{BB962C8B-B14F-4D97-AF65-F5344CB8AC3E}">
+        <p14:creationId xmlns:p14="http://schemas.microsoft.com/office/powerpoint/2010/main" val="3912095516"/>
+      </p:ext>
+    </p:extLst>
+  </p:cSld>
+  <p:clrMapOvr>
+    <a:masterClrMapping/>
+  </p:clrMapOvr>
+</p:notes>
+</file>
+
+<file path=ppt/notesSlides/notesSlide5.xml><?xml version="1.0" encoding="utf-8"?>
+<p:notes xmlns:a="http://schemas.openxmlformats.org/drawingml/2006/main" xmlns:r="http://schemas.openxmlformats.org/officeDocument/2006/relationships" xmlns:p="http://schemas.openxmlformats.org/presentationml/2006/main">
+  <p:cSld>
+    <p:spTree>
+      <p:nvGrpSpPr>
+        <p:cNvPr id="1" name="">
+          <a:extLst>
+            <a:ext uri="{FF2B5EF4-FFF2-40B4-BE49-F238E27FC236}">
+              <a16:creationId xmlns:a16="http://schemas.microsoft.com/office/drawing/2014/main" id="{EECC8F9C-8B9D-C055-A824-4057E7B2D726}"/>
+            </a:ext>
+          </a:extLst>
+        </p:cNvPr>
+        <p:cNvGrpSpPr/>
+        <p:nvPr/>
+      </p:nvGrpSpPr>
+      <p:grpSpPr>
+        <a:xfrm>
+          <a:off x="0" y="0"/>
+          <a:ext cx="0" cy="0"/>
+          <a:chOff x="0" y="0"/>
+          <a:chExt cx="0" cy="0"/>
+        </a:xfrm>
+      </p:grpSpPr>
+      <p:sp>
+        <p:nvSpPr>
+          <p:cNvPr id="2" name="Slide Image Placeholder 1">
+            <a:extLst>
+              <a:ext uri="{FF2B5EF4-FFF2-40B4-BE49-F238E27FC236}">
+                <a16:creationId xmlns:a16="http://schemas.microsoft.com/office/drawing/2014/main" id="{30CAB70D-1C0D-78DB-1AE4-CCFF5351A587}"/>
+              </a:ext>
+            </a:extLst>
+          </p:cNvPr>
+          <p:cNvSpPr>
+            <a:spLocks noGrp="1" noRot="1" noChangeAspect="1"/>
+          </p:cNvSpPr>
+          <p:nvPr>
+            <p:ph type="sldImg"/>
+          </p:nvPr>
+        </p:nvSpPr>
+        <p:spPr/>
+      </p:sp>
+      <p:sp>
+        <p:nvSpPr>
+          <p:cNvPr id="3" name="Notes Placeholder 2">
+            <a:extLst>
+              <a:ext uri="{FF2B5EF4-FFF2-40B4-BE49-F238E27FC236}">
+                <a16:creationId xmlns:a16="http://schemas.microsoft.com/office/drawing/2014/main" id="{B71A22E3-F245-45EE-8BFC-6DE8A4F2DEBC}"/>
+              </a:ext>
+            </a:extLst>
+          </p:cNvPr>
+          <p:cNvSpPr>
+            <a:spLocks noGrp="1"/>
+          </p:cNvSpPr>
+          <p:nvPr>
+            <p:ph type="body" idx="1"/>
+          </p:nvPr>
+        </p:nvSpPr>
+        <p:spPr/>
+        <p:txBody>
+          <a:bodyPr/>
+          <a:lstStyle/>
+          <a:p>
+            <a:r>
+              <a:rPr lang="en-GB" dirty="0"/>
+              <a:t>ARC</a:t>
+            </a:r>
+          </a:p>
+          <a:p>
+            <a:r>
+              <a:rPr lang="en-GB" dirty="0"/>
+              <a:t>The circle, which is blue, is right of the triangle</a:t>
+            </a:r>
+          </a:p>
+          <a:p>
+            <a:r>
+              <a:rPr lang="en-GB" dirty="0"/>
+              <a:t>T + T</a:t>
+            </a:r>
+          </a:p>
+        </p:txBody>
+      </p:sp>
+      <p:sp>
+        <p:nvSpPr>
+          <p:cNvPr id="4" name="Slide Number Placeholder 3">
+            <a:extLst>
+              <a:ext uri="{FF2B5EF4-FFF2-40B4-BE49-F238E27FC236}">
+                <a16:creationId xmlns:a16="http://schemas.microsoft.com/office/drawing/2014/main" id="{D5A7C0AE-F910-8933-85F7-A689FD13FFE5}"/>
+              </a:ext>
+            </a:extLst>
+          </p:cNvPr>
+          <p:cNvSpPr>
+            <a:spLocks noGrp="1"/>
+          </p:cNvSpPr>
+          <p:nvPr>
+            <p:ph type="sldNum" sz="quarter" idx="5"/>
+          </p:nvPr>
+        </p:nvSpPr>
+        <p:spPr/>
+        <p:txBody>
+          <a:bodyPr/>
+          <a:lstStyle/>
+          <a:p>
+            <a:fld id="{B36E31BD-47D6-AF47-9BDE-D36BBCCAD48A}" type="slidenum">
+              <a:rPr lang="en-GB" smtClean="0"/>
+              <a:t>5</a:t>
+            </a:fld>
+            <a:endParaRPr lang="en-GB"/>
+          </a:p>
+        </p:txBody>
+      </p:sp>
+    </p:spTree>
+    <p:extLst>
+      <p:ext uri="{BB962C8B-B14F-4D97-AF65-F5344CB8AC3E}">
+        <p14:creationId xmlns:p14="http://schemas.microsoft.com/office/powerpoint/2010/main" val="1076754502"/>
+      </p:ext>
+    </p:extLst>
+  </p:cSld>
+  <p:clrMapOvr>
+    <a:masterClrMapping/>
+  </p:clrMapOvr>
+</p:notes>
+</file>
+
+<file path=ppt/notesSlides/notesSlide6.xml><?xml version="1.0" encoding="utf-8"?>
+<p:notes xmlns:a="http://schemas.openxmlformats.org/drawingml/2006/main" xmlns:r="http://schemas.openxmlformats.org/officeDocument/2006/relationships" xmlns:p="http://schemas.openxmlformats.org/presentationml/2006/main">
+  <p:cSld>
+    <p:spTree>
+      <p:nvGrpSpPr>
+        <p:cNvPr id="1" name="">
+          <a:extLst>
+            <a:ext uri="{FF2B5EF4-FFF2-40B4-BE49-F238E27FC236}">
+              <a16:creationId xmlns:a16="http://schemas.microsoft.com/office/drawing/2014/main" id="{2A383D38-3B8E-A853-2FB4-36D47FB72171}"/>
+            </a:ext>
+          </a:extLst>
+        </p:cNvPr>
+        <p:cNvGrpSpPr/>
+        <p:nvPr/>
+      </p:nvGrpSpPr>
+      <p:grpSpPr>
+        <a:xfrm>
+          <a:off x="0" y="0"/>
+          <a:ext cx="0" cy="0"/>
+          <a:chOff x="0" y="0"/>
+          <a:chExt cx="0" cy="0"/>
+        </a:xfrm>
+      </p:grpSpPr>
+      <p:sp>
+        <p:nvSpPr>
+          <p:cNvPr id="2" name="Slide Image Placeholder 1">
+            <a:extLst>
+              <a:ext uri="{FF2B5EF4-FFF2-40B4-BE49-F238E27FC236}">
+                <a16:creationId xmlns:a16="http://schemas.microsoft.com/office/drawing/2014/main" id="{BE3F4E5A-F0D1-23D4-3304-D496B03CD254}"/>
+              </a:ext>
+            </a:extLst>
+          </p:cNvPr>
+          <p:cNvSpPr>
+            <a:spLocks noGrp="1" noRot="1" noChangeAspect="1"/>
+          </p:cNvSpPr>
+          <p:nvPr>
+            <p:ph type="sldImg"/>
+          </p:nvPr>
+        </p:nvSpPr>
+        <p:spPr/>
+      </p:sp>
+      <p:sp>
+        <p:nvSpPr>
+          <p:cNvPr id="3" name="Notes Placeholder 2">
+            <a:extLst>
+              <a:ext uri="{FF2B5EF4-FFF2-40B4-BE49-F238E27FC236}">
+                <a16:creationId xmlns:a16="http://schemas.microsoft.com/office/drawing/2014/main" id="{3B24B585-1423-5937-1FCB-00E2DAEFEE3D}"/>
+              </a:ext>
+            </a:extLst>
+          </p:cNvPr>
+          <p:cNvSpPr>
+            <a:spLocks noGrp="1"/>
+          </p:cNvSpPr>
+          <p:nvPr>
+            <p:ph type="body" idx="1"/>
+          </p:nvPr>
+        </p:nvSpPr>
+        <p:spPr/>
+        <p:txBody>
+          <a:bodyPr/>
+          <a:lstStyle/>
+          <a:p>
+            <a:r>
+              <a:rPr lang="en-GB" dirty="0"/>
+              <a:t>ARC</a:t>
+            </a:r>
+          </a:p>
+          <a:p>
+            <a:r>
+              <a:rPr lang="en-GB" dirty="0"/>
+              <a:t>The circle, which is blue, is right of the triangle</a:t>
+            </a:r>
+          </a:p>
+          <a:p>
+            <a:r>
+              <a:rPr lang="en-GB" dirty="0"/>
+              <a:t>T + T</a:t>
+            </a:r>
+          </a:p>
+        </p:txBody>
+      </p:sp>
+      <p:sp>
+        <p:nvSpPr>
+          <p:cNvPr id="4" name="Slide Number Placeholder 3">
+            <a:extLst>
+              <a:ext uri="{FF2B5EF4-FFF2-40B4-BE49-F238E27FC236}">
+                <a16:creationId xmlns:a16="http://schemas.microsoft.com/office/drawing/2014/main" id="{58CB546C-5028-C068-0224-5CDE32899B35}"/>
+              </a:ext>
+            </a:extLst>
+          </p:cNvPr>
+          <p:cNvSpPr>
+            <a:spLocks noGrp="1"/>
+          </p:cNvSpPr>
+          <p:nvPr>
+            <p:ph type="sldNum" sz="quarter" idx="5"/>
+          </p:nvPr>
+        </p:nvSpPr>
+        <p:spPr/>
+        <p:txBody>
+          <a:bodyPr/>
+          <a:lstStyle/>
+          <a:p>
+            <a:fld id="{B36E31BD-47D6-AF47-9BDE-D36BBCCAD48A}" type="slidenum">
+              <a:rPr lang="en-GB" smtClean="0"/>
+              <a:t>6</a:t>
+            </a:fld>
+            <a:endParaRPr lang="en-GB"/>
+          </a:p>
+        </p:txBody>
+      </p:sp>
+    </p:spTree>
+    <p:extLst>
+      <p:ext uri="{BB962C8B-B14F-4D97-AF65-F5344CB8AC3E}">
+        <p14:creationId xmlns:p14="http://schemas.microsoft.com/office/powerpoint/2010/main" val="3128832514"/>
+      </p:ext>
+    </p:extLst>
+  </p:cSld>
+  <p:clrMapOvr>
+    <a:masterClrMapping/>
+  </p:clrMapOvr>
+</p:notes>
+</file>
+
+<file path=ppt/notesSlides/notesSlide7.xml><?xml version="1.0" encoding="utf-8"?>
+<p:notes xmlns:a="http://schemas.openxmlformats.org/drawingml/2006/main" xmlns:r="http://schemas.openxmlformats.org/officeDocument/2006/relationships" xmlns:p="http://schemas.openxmlformats.org/presentationml/2006/main">
+  <p:cSld>
+    <p:spTree>
+      <p:nvGrpSpPr>
+        <p:cNvPr id="1" name="">
+          <a:extLst>
+            <a:ext uri="{FF2B5EF4-FFF2-40B4-BE49-F238E27FC236}">
+              <a16:creationId xmlns:a16="http://schemas.microsoft.com/office/drawing/2014/main" id="{A234417A-40E9-2B4F-18B2-394E163A673F}"/>
+            </a:ext>
+          </a:extLst>
+        </p:cNvPr>
+        <p:cNvGrpSpPr/>
+        <p:nvPr/>
+      </p:nvGrpSpPr>
+      <p:grpSpPr>
+        <a:xfrm>
+          <a:off x="0" y="0"/>
+          <a:ext cx="0" cy="0"/>
+          <a:chOff x="0" y="0"/>
+          <a:chExt cx="0" cy="0"/>
+        </a:xfrm>
+      </p:grpSpPr>
+      <p:sp>
+        <p:nvSpPr>
+          <p:cNvPr id="2" name="Slide Image Placeholder 1">
+            <a:extLst>
+              <a:ext uri="{FF2B5EF4-FFF2-40B4-BE49-F238E27FC236}">
+                <a16:creationId xmlns:a16="http://schemas.microsoft.com/office/drawing/2014/main" id="{2E490FC8-8C0F-790A-747F-E8C07B8771E9}"/>
+              </a:ext>
+            </a:extLst>
+          </p:cNvPr>
+          <p:cNvSpPr>
+            <a:spLocks noGrp="1" noRot="1" noChangeAspect="1"/>
+          </p:cNvSpPr>
+          <p:nvPr>
+            <p:ph type="sldImg"/>
+          </p:nvPr>
+        </p:nvSpPr>
+        <p:spPr/>
+      </p:sp>
+      <p:sp>
+        <p:nvSpPr>
+          <p:cNvPr id="3" name="Notes Placeholder 2">
+            <a:extLst>
+              <a:ext uri="{FF2B5EF4-FFF2-40B4-BE49-F238E27FC236}">
+                <a16:creationId xmlns:a16="http://schemas.microsoft.com/office/drawing/2014/main" id="{51EE20C7-E519-626E-3087-08BE02C39DFD}"/>
+              </a:ext>
+            </a:extLst>
+          </p:cNvPr>
+          <p:cNvSpPr>
+            <a:spLocks noGrp="1"/>
+          </p:cNvSpPr>
+          <p:nvPr>
+            <p:ph type="body" idx="1"/>
+          </p:nvPr>
+        </p:nvSpPr>
+        <p:spPr/>
+        <p:txBody>
+          <a:bodyPr/>
+          <a:lstStyle/>
+          <a:p>
+            <a:r>
+              <a:rPr lang="en-GB" dirty="0"/>
+              <a:t>ARC</a:t>
+            </a:r>
+          </a:p>
+          <a:p>
+            <a:r>
+              <a:rPr lang="en-GB" dirty="0"/>
+              <a:t>The circle, which is blue, is right of the triangle</a:t>
+            </a:r>
+          </a:p>
+          <a:p>
+            <a:r>
+              <a:rPr lang="en-GB" dirty="0"/>
+              <a:t>T + T</a:t>
+            </a:r>
+          </a:p>
+        </p:txBody>
+      </p:sp>
+      <p:sp>
+        <p:nvSpPr>
+          <p:cNvPr id="4" name="Slide Number Placeholder 3">
+            <a:extLst>
+              <a:ext uri="{FF2B5EF4-FFF2-40B4-BE49-F238E27FC236}">
+                <a16:creationId xmlns:a16="http://schemas.microsoft.com/office/drawing/2014/main" id="{437B0780-D8ED-08DB-A4A9-EEBE319B7E04}"/>
+              </a:ext>
+            </a:extLst>
+          </p:cNvPr>
+          <p:cNvSpPr>
+            <a:spLocks noGrp="1"/>
+          </p:cNvSpPr>
+          <p:nvPr>
+            <p:ph type="sldNum" sz="quarter" idx="5"/>
+          </p:nvPr>
+        </p:nvSpPr>
+        <p:spPr/>
+        <p:txBody>
+          <a:bodyPr/>
+          <a:lstStyle/>
+          <a:p>
+            <a:fld id="{B36E31BD-47D6-AF47-9BDE-D36BBCCAD48A}" type="slidenum">
+              <a:rPr lang="en-GB" smtClean="0"/>
+              <a:t>7</a:t>
+            </a:fld>
+            <a:endParaRPr lang="en-GB"/>
+          </a:p>
+        </p:txBody>
+      </p:sp>
+    </p:spTree>
+    <p:extLst>
+      <p:ext uri="{BB962C8B-B14F-4D97-AF65-F5344CB8AC3E}">
+        <p14:creationId xmlns:p14="http://schemas.microsoft.com/office/powerpoint/2010/main" val="3070380316"/>
+      </p:ext>
+    </p:extLst>
+  </p:cSld>
+  <p:clrMapOvr>
+    <a:masterClrMapping/>
+  </p:clrMapOvr>
+</p:notes>
+</file>
+
+<file path=ppt/notesSlides/notesSlide8.xml><?xml version="1.0" encoding="utf-8"?>
+<p:notes xmlns:a="http://schemas.openxmlformats.org/drawingml/2006/main" xmlns:r="http://schemas.openxmlformats.org/officeDocument/2006/relationships" xmlns:p="http://schemas.openxmlformats.org/presentationml/2006/main">
+  <p:cSld>
+    <p:spTree>
+      <p:nvGrpSpPr>
+        <p:cNvPr id="1" name=""/>
+        <p:cNvGrpSpPr/>
+        <p:nvPr/>
+      </p:nvGrpSpPr>
+      <p:grpSpPr>
+        <a:xfrm>
+          <a:off x="0" y="0"/>
+          <a:ext cx="0" cy="0"/>
+          <a:chOff x="0" y="0"/>
+          <a:chExt cx="0" cy="0"/>
+        </a:xfrm>
+      </p:grpSpPr>
+      <p:sp>
+        <p:nvSpPr>
+          <p:cNvPr id="2" name="Slide Image Placeholder 1"/>
+          <p:cNvSpPr>
+            <a:spLocks noGrp="1" noRot="1" noChangeAspect="1"/>
+          </p:cNvSpPr>
+          <p:nvPr>
+            <p:ph type="sldImg"/>
+          </p:nvPr>
+        </p:nvSpPr>
+        <p:spPr/>
+      </p:sp>
+      <p:sp>
+        <p:nvSpPr>
+          <p:cNvPr id="3" name="Notes Placeholder 2"/>
+          <p:cNvSpPr>
+            <a:spLocks noGrp="1"/>
+          </p:cNvSpPr>
+          <p:nvPr>
+            <p:ph type="body" idx="1"/>
+          </p:nvPr>
+        </p:nvSpPr>
+        <p:spPr/>
+        <p:txBody>
+          <a:bodyPr/>
+          <a:lstStyle/>
+          <a:p>
+            <a:r>
+              <a:rPr lang="en-GB" dirty="0"/>
+              <a:t>ARC</a:t>
+            </a:r>
+          </a:p>
+          <a:p>
+            <a:r>
+              <a:rPr lang="en-GB" dirty="0"/>
+              <a:t>The circle, which is blue, is right of the triangle</a:t>
+            </a:r>
+          </a:p>
+          <a:p>
+            <a:r>
+              <a:rPr lang="en-GB" dirty="0"/>
+              <a:t>F + T</a:t>
+            </a:r>
+          </a:p>
+        </p:txBody>
+      </p:sp>
+      <p:sp>
+        <p:nvSpPr>
+          <p:cNvPr id="4" name="Slide Number Placeholder 3"/>
+          <p:cNvSpPr>
+            <a:spLocks noGrp="1"/>
+          </p:cNvSpPr>
+          <p:nvPr>
+            <p:ph type="sldNum" sz="quarter" idx="5"/>
+          </p:nvPr>
+        </p:nvSpPr>
+        <p:spPr/>
+        <p:txBody>
+          <a:bodyPr/>
+          <a:lstStyle/>
+          <a:p>
+            <a:fld id="{B36E31BD-47D6-AF47-9BDE-D36BBCCAD48A}" type="slidenum">
+              <a:rPr lang="en-GB" smtClean="0"/>
+              <a:t>8</a:t>
+            </a:fld>
+            <a:endParaRPr lang="en-GB"/>
+          </a:p>
+        </p:txBody>
+      </p:sp>
+    </p:spTree>
+    <p:extLst>
+      <p:ext uri="{BB962C8B-B14F-4D97-AF65-F5344CB8AC3E}">
+        <p14:creationId xmlns:p14="http://schemas.microsoft.com/office/powerpoint/2010/main" val="2593999224"/>
+      </p:ext>
+    </p:extLst>
+  </p:cSld>
+  <p:clrMapOvr>
+    <a:masterClrMapping/>
+  </p:clrMapOvr>
+</p:notes>
+</file>
+
+<file path=ppt/notesSlides/notesSlide9.xml><?xml version="1.0" encoding="utf-8"?>
+<p:notes xmlns:a="http://schemas.openxmlformats.org/drawingml/2006/main" xmlns:r="http://schemas.openxmlformats.org/officeDocument/2006/relationships" xmlns:p="http://schemas.openxmlformats.org/presentationml/2006/main">
+  <p:cSld>
+    <p:spTree>
+      <p:nvGrpSpPr>
+        <p:cNvPr id="1" name="">
+          <a:extLst>
+            <a:ext uri="{FF2B5EF4-FFF2-40B4-BE49-F238E27FC236}">
+              <a16:creationId xmlns:a16="http://schemas.microsoft.com/office/drawing/2014/main" id="{2D95738D-B355-8691-3437-F20B90654AAE}"/>
+            </a:ext>
+          </a:extLst>
+        </p:cNvPr>
+        <p:cNvGrpSpPr/>
+        <p:nvPr/>
+      </p:nvGrpSpPr>
+      <p:grpSpPr>
+        <a:xfrm>
+          <a:off x="0" y="0"/>
+          <a:ext cx="0" cy="0"/>
+          <a:chOff x="0" y="0"/>
+          <a:chExt cx="0" cy="0"/>
+        </a:xfrm>
+      </p:grpSpPr>
+      <p:sp>
+        <p:nvSpPr>
+          <p:cNvPr id="2" name="Slide Image Placeholder 1">
+            <a:extLst>
+              <a:ext uri="{FF2B5EF4-FFF2-40B4-BE49-F238E27FC236}">
+                <a16:creationId xmlns:a16="http://schemas.microsoft.com/office/drawing/2014/main" id="{8CF0C08A-1073-285C-8FA0-2CDA8BC614B7}"/>
+              </a:ext>
+            </a:extLst>
+          </p:cNvPr>
+          <p:cNvSpPr>
+            <a:spLocks noGrp="1" noRot="1" noChangeAspect="1"/>
+          </p:cNvSpPr>
+          <p:nvPr>
+            <p:ph type="sldImg"/>
+          </p:nvPr>
+        </p:nvSpPr>
+        <p:spPr/>
+      </p:sp>
+      <p:sp>
+        <p:nvSpPr>
+          <p:cNvPr id="3" name="Notes Placeholder 2">
+            <a:extLst>
+              <a:ext uri="{FF2B5EF4-FFF2-40B4-BE49-F238E27FC236}">
+                <a16:creationId xmlns:a16="http://schemas.microsoft.com/office/drawing/2014/main" id="{7C61550F-F355-3213-CA8A-B40D00BA59CD}"/>
+              </a:ext>
+            </a:extLst>
+          </p:cNvPr>
+          <p:cNvSpPr>
+            <a:spLocks noGrp="1"/>
+          </p:cNvSpPr>
+          <p:nvPr>
+            <p:ph type="body" idx="1"/>
+          </p:nvPr>
+        </p:nvSpPr>
+        <p:spPr/>
+        <p:txBody>
+          <a:bodyPr/>
+          <a:lstStyle/>
+          <a:p>
+            <a:r>
+              <a:rPr lang="en-GB" dirty="0"/>
+              <a:t>ARC</a:t>
+            </a:r>
+          </a:p>
+          <a:p>
+            <a:r>
+              <a:rPr lang="en-GB" dirty="0"/>
+              <a:t>The circle, which is blue, is right of the triangle</a:t>
+            </a:r>
+          </a:p>
+          <a:p>
+            <a:r>
+              <a:rPr lang="en-GB" dirty="0"/>
+              <a:t>F + T</a:t>
+            </a:r>
+          </a:p>
+        </p:txBody>
+      </p:sp>
+      <p:sp>
+        <p:nvSpPr>
+          <p:cNvPr id="4" name="Slide Number Placeholder 3">
+            <a:extLst>
+              <a:ext uri="{FF2B5EF4-FFF2-40B4-BE49-F238E27FC236}">
+                <a16:creationId xmlns:a16="http://schemas.microsoft.com/office/drawing/2014/main" id="{734483A2-618D-8F38-B4D7-8B8B95C13FA1}"/>
+              </a:ext>
+            </a:extLst>
+          </p:cNvPr>
+          <p:cNvSpPr>
+            <a:spLocks noGrp="1"/>
+          </p:cNvSpPr>
+          <p:nvPr>
+            <p:ph type="sldNum" sz="quarter" idx="5"/>
+          </p:nvPr>
+        </p:nvSpPr>
+        <p:spPr/>
+        <p:txBody>
+          <a:bodyPr/>
+          <a:lstStyle/>
+          <a:p>
+            <a:fld id="{B36E31BD-47D6-AF47-9BDE-D36BBCCAD48A}" type="slidenum">
+              <a:rPr lang="en-GB" smtClean="0"/>
+              <a:t>9</a:t>
+            </a:fld>
+            <a:endParaRPr lang="en-GB"/>
+          </a:p>
+        </p:txBody>
+      </p:sp>
+    </p:spTree>
+    <p:extLst>
+      <p:ext uri="{BB962C8B-B14F-4D97-AF65-F5344CB8AC3E}">
+        <p14:creationId xmlns:p14="http://schemas.microsoft.com/office/powerpoint/2010/main" val="1298899827"/>
       </p:ext>
     </p:extLst>
   </p:cSld>
@@ -3635,6 +5571,3162 @@
     <p:extLst>
       <p:ext uri="{BB962C8B-B14F-4D97-AF65-F5344CB8AC3E}">
         <p14:creationId xmlns:p14="http://schemas.microsoft.com/office/powerpoint/2010/main" val="3996808372"/>
+      </p:ext>
+    </p:extLst>
+  </p:cSld>
+  <p:clrMapOvr>
+    <a:masterClrMapping/>
+  </p:clrMapOvr>
+</p:sld>
+</file>
+
+<file path=ppt/slides/slide10.xml><?xml version="1.0" encoding="utf-8"?>
+<p:sld xmlns:a="http://schemas.openxmlformats.org/drawingml/2006/main" xmlns:r="http://schemas.openxmlformats.org/officeDocument/2006/relationships" xmlns:p="http://schemas.openxmlformats.org/presentationml/2006/main">
+  <p:cSld>
+    <p:spTree>
+      <p:nvGrpSpPr>
+        <p:cNvPr id="1" name="">
+          <a:extLst>
+            <a:ext uri="{FF2B5EF4-FFF2-40B4-BE49-F238E27FC236}">
+              <a16:creationId xmlns:a16="http://schemas.microsoft.com/office/drawing/2014/main" id="{0F862267-18FA-3374-6075-B10F300EA6B4}"/>
+            </a:ext>
+          </a:extLst>
+        </p:cNvPr>
+        <p:cNvGrpSpPr/>
+        <p:nvPr/>
+      </p:nvGrpSpPr>
+      <p:grpSpPr>
+        <a:xfrm>
+          <a:off x="0" y="0"/>
+          <a:ext cx="0" cy="0"/>
+          <a:chOff x="0" y="0"/>
+          <a:chExt cx="0" cy="0"/>
+        </a:xfrm>
+      </p:grpSpPr>
+      <p:sp>
+        <p:nvSpPr>
+          <p:cNvPr id="5" name="Oval 4">
+            <a:extLst>
+              <a:ext uri="{FF2B5EF4-FFF2-40B4-BE49-F238E27FC236}">
+                <a16:creationId xmlns:a16="http://schemas.microsoft.com/office/drawing/2014/main" id="{E2B1590B-A84D-212C-4579-B8409734D812}"/>
+              </a:ext>
+            </a:extLst>
+          </p:cNvPr>
+          <p:cNvSpPr>
+            <a:spLocks noChangeAspect="1"/>
+          </p:cNvSpPr>
+          <p:nvPr/>
+        </p:nvSpPr>
+        <p:spPr>
+          <a:xfrm>
+            <a:off x="3671748" y="1846051"/>
+            <a:ext cx="1391874" cy="1357365"/>
+          </a:xfrm>
+          <a:prstGeom prst="ellipse">
+            <a:avLst/>
+          </a:prstGeom>
+          <a:solidFill>
+            <a:srgbClr val="F35BB4"/>
+          </a:solidFill>
+          <a:ln>
+            <a:noFill/>
+          </a:ln>
+        </p:spPr>
+        <p:style>
+          <a:lnRef idx="2">
+            <a:schemeClr val="accent1">
+              <a:shade val="15000"/>
+            </a:schemeClr>
+          </a:lnRef>
+          <a:fillRef idx="1">
+            <a:schemeClr val="accent1"/>
+          </a:fillRef>
+          <a:effectRef idx="0">
+            <a:schemeClr val="accent1"/>
+          </a:effectRef>
+          <a:fontRef idx="minor">
+            <a:schemeClr val="lt1"/>
+          </a:fontRef>
+        </p:style>
+        <p:txBody>
+          <a:bodyPr rtlCol="0" anchor="ctr"/>
+          <a:lstStyle/>
+          <a:p>
+            <a:pPr algn="ctr"/>
+            <a:endParaRPr lang="en-GB"/>
+          </a:p>
+        </p:txBody>
+      </p:sp>
+      <p:sp>
+        <p:nvSpPr>
+          <p:cNvPr id="3" name="Oval 2">
+            <a:extLst>
+              <a:ext uri="{FF2B5EF4-FFF2-40B4-BE49-F238E27FC236}">
+                <a16:creationId xmlns:a16="http://schemas.microsoft.com/office/drawing/2014/main" id="{054A08A1-54A9-4FF7-9BBB-F650881B0A42}"/>
+              </a:ext>
+            </a:extLst>
+          </p:cNvPr>
+          <p:cNvSpPr>
+            <a:spLocks noChangeAspect="1"/>
+          </p:cNvSpPr>
+          <p:nvPr/>
+        </p:nvSpPr>
+        <p:spPr>
+          <a:xfrm>
+            <a:off x="2004400" y="1846051"/>
+            <a:ext cx="1391874" cy="1357365"/>
+          </a:xfrm>
+          <a:prstGeom prst="ellipse">
+            <a:avLst/>
+          </a:prstGeom>
+          <a:solidFill>
+            <a:srgbClr val="F35BB4"/>
+          </a:solidFill>
+          <a:ln>
+            <a:noFill/>
+          </a:ln>
+        </p:spPr>
+        <p:style>
+          <a:lnRef idx="2">
+            <a:schemeClr val="accent1">
+              <a:shade val="15000"/>
+            </a:schemeClr>
+          </a:lnRef>
+          <a:fillRef idx="1">
+            <a:schemeClr val="accent1"/>
+          </a:fillRef>
+          <a:effectRef idx="0">
+            <a:schemeClr val="accent1"/>
+          </a:effectRef>
+          <a:fontRef idx="minor">
+            <a:schemeClr val="lt1"/>
+          </a:fontRef>
+        </p:style>
+        <p:txBody>
+          <a:bodyPr rtlCol="0" anchor="ctr"/>
+          <a:lstStyle/>
+          <a:p>
+            <a:pPr algn="ctr"/>
+            <a:endParaRPr lang="en-GB"/>
+          </a:p>
+        </p:txBody>
+      </p:sp>
+      <p:sp>
+        <p:nvSpPr>
+          <p:cNvPr id="4" name="Oval 3">
+            <a:extLst>
+              <a:ext uri="{FF2B5EF4-FFF2-40B4-BE49-F238E27FC236}">
+                <a16:creationId xmlns:a16="http://schemas.microsoft.com/office/drawing/2014/main" id="{09B0278A-FA58-7FBB-920A-FF0F75D7A684}"/>
+              </a:ext>
+            </a:extLst>
+          </p:cNvPr>
+          <p:cNvSpPr>
+            <a:spLocks noChangeAspect="1"/>
+          </p:cNvSpPr>
+          <p:nvPr/>
+        </p:nvSpPr>
+        <p:spPr>
+          <a:xfrm>
+            <a:off x="337052" y="1846050"/>
+            <a:ext cx="1391874" cy="1357365"/>
+          </a:xfrm>
+          <a:prstGeom prst="ellipse">
+            <a:avLst/>
+          </a:prstGeom>
+          <a:solidFill>
+            <a:srgbClr val="F35BB4"/>
+          </a:solidFill>
+          <a:ln>
+            <a:noFill/>
+          </a:ln>
+        </p:spPr>
+        <p:style>
+          <a:lnRef idx="2">
+            <a:schemeClr val="accent1">
+              <a:shade val="15000"/>
+            </a:schemeClr>
+          </a:lnRef>
+          <a:fillRef idx="1">
+            <a:schemeClr val="accent1"/>
+          </a:fillRef>
+          <a:effectRef idx="0">
+            <a:schemeClr val="accent1"/>
+          </a:effectRef>
+          <a:fontRef idx="minor">
+            <a:schemeClr val="lt1"/>
+          </a:fontRef>
+        </p:style>
+        <p:txBody>
+          <a:bodyPr rtlCol="0" anchor="ctr"/>
+          <a:lstStyle/>
+          <a:p>
+            <a:pPr algn="ctr"/>
+            <a:endParaRPr lang="en-GB"/>
+          </a:p>
+        </p:txBody>
+      </p:sp>
+    </p:spTree>
+    <p:extLst>
+      <p:ext uri="{BB962C8B-B14F-4D97-AF65-F5344CB8AC3E}">
+        <p14:creationId xmlns:p14="http://schemas.microsoft.com/office/powerpoint/2010/main" val="1447463613"/>
+      </p:ext>
+    </p:extLst>
+  </p:cSld>
+  <p:clrMapOvr>
+    <a:masterClrMapping/>
+  </p:clrMapOvr>
+</p:sld>
+</file>
+
+<file path=ppt/slides/slide11.xml><?xml version="1.0" encoding="utf-8"?>
+<p:sld xmlns:a="http://schemas.openxmlformats.org/drawingml/2006/main" xmlns:r="http://schemas.openxmlformats.org/officeDocument/2006/relationships" xmlns:p="http://schemas.openxmlformats.org/presentationml/2006/main">
+  <p:cSld>
+    <p:spTree>
+      <p:nvGrpSpPr>
+        <p:cNvPr id="1" name="">
+          <a:extLst>
+            <a:ext uri="{FF2B5EF4-FFF2-40B4-BE49-F238E27FC236}">
+              <a16:creationId xmlns:a16="http://schemas.microsoft.com/office/drawing/2014/main" id="{5F6581BF-A953-A01A-E423-5AD55E17C1DE}"/>
+            </a:ext>
+          </a:extLst>
+        </p:cNvPr>
+        <p:cNvGrpSpPr/>
+        <p:nvPr/>
+      </p:nvGrpSpPr>
+      <p:grpSpPr>
+        <a:xfrm>
+          <a:off x="0" y="0"/>
+          <a:ext cx="0" cy="0"/>
+          <a:chOff x="0" y="0"/>
+          <a:chExt cx="0" cy="0"/>
+        </a:xfrm>
+      </p:grpSpPr>
+      <p:sp>
+        <p:nvSpPr>
+          <p:cNvPr id="4" name="Oval 3">
+            <a:extLst>
+              <a:ext uri="{FF2B5EF4-FFF2-40B4-BE49-F238E27FC236}">
+                <a16:creationId xmlns:a16="http://schemas.microsoft.com/office/drawing/2014/main" id="{1C14166A-21B2-034F-9988-8B5FCD0D1343}"/>
+              </a:ext>
+            </a:extLst>
+          </p:cNvPr>
+          <p:cNvSpPr>
+            <a:spLocks noChangeAspect="1"/>
+          </p:cNvSpPr>
+          <p:nvPr/>
+        </p:nvSpPr>
+        <p:spPr>
+          <a:xfrm>
+            <a:off x="3671747" y="1846052"/>
+            <a:ext cx="1391874" cy="1357365"/>
+          </a:xfrm>
+          <a:prstGeom prst="ellipse">
+            <a:avLst/>
+          </a:prstGeom>
+          <a:solidFill>
+            <a:srgbClr val="0C6B2E"/>
+          </a:solidFill>
+          <a:ln>
+            <a:noFill/>
+          </a:ln>
+        </p:spPr>
+        <p:style>
+          <a:lnRef idx="2">
+            <a:schemeClr val="accent1">
+              <a:shade val="15000"/>
+            </a:schemeClr>
+          </a:lnRef>
+          <a:fillRef idx="1">
+            <a:schemeClr val="accent1"/>
+          </a:fillRef>
+          <a:effectRef idx="0">
+            <a:schemeClr val="accent1"/>
+          </a:effectRef>
+          <a:fontRef idx="minor">
+            <a:schemeClr val="lt1"/>
+          </a:fontRef>
+        </p:style>
+        <p:txBody>
+          <a:bodyPr rtlCol="0" anchor="ctr"/>
+          <a:lstStyle/>
+          <a:p>
+            <a:pPr algn="ctr"/>
+            <a:endParaRPr lang="en-GB"/>
+          </a:p>
+        </p:txBody>
+      </p:sp>
+      <p:sp>
+        <p:nvSpPr>
+          <p:cNvPr id="3" name="Oval 2">
+            <a:extLst>
+              <a:ext uri="{FF2B5EF4-FFF2-40B4-BE49-F238E27FC236}">
+                <a16:creationId xmlns:a16="http://schemas.microsoft.com/office/drawing/2014/main" id="{C1CD34F5-6D37-5E8A-571C-92F714C3216A}"/>
+              </a:ext>
+            </a:extLst>
+          </p:cNvPr>
+          <p:cNvSpPr>
+            <a:spLocks noChangeAspect="1"/>
+          </p:cNvSpPr>
+          <p:nvPr/>
+        </p:nvSpPr>
+        <p:spPr>
+          <a:xfrm>
+            <a:off x="337054" y="1846052"/>
+            <a:ext cx="1391874" cy="1357365"/>
+          </a:xfrm>
+          <a:prstGeom prst="ellipse">
+            <a:avLst/>
+          </a:prstGeom>
+          <a:solidFill>
+            <a:srgbClr val="0C6B2E"/>
+          </a:solidFill>
+          <a:ln>
+            <a:noFill/>
+          </a:ln>
+        </p:spPr>
+        <p:style>
+          <a:lnRef idx="2">
+            <a:schemeClr val="accent1">
+              <a:shade val="15000"/>
+            </a:schemeClr>
+          </a:lnRef>
+          <a:fillRef idx="1">
+            <a:schemeClr val="accent1"/>
+          </a:fillRef>
+          <a:effectRef idx="0">
+            <a:schemeClr val="accent1"/>
+          </a:effectRef>
+          <a:fontRef idx="minor">
+            <a:schemeClr val="lt1"/>
+          </a:fontRef>
+        </p:style>
+        <p:txBody>
+          <a:bodyPr rtlCol="0" anchor="ctr"/>
+          <a:lstStyle/>
+          <a:p>
+            <a:pPr algn="ctr"/>
+            <a:endParaRPr lang="en-GB"/>
+          </a:p>
+        </p:txBody>
+      </p:sp>
+      <p:sp>
+        <p:nvSpPr>
+          <p:cNvPr id="2" name="Oval 1">
+            <a:extLst>
+              <a:ext uri="{FF2B5EF4-FFF2-40B4-BE49-F238E27FC236}">
+                <a16:creationId xmlns:a16="http://schemas.microsoft.com/office/drawing/2014/main" id="{AB498060-129F-B2FF-90D3-8EE8DA80A259}"/>
+              </a:ext>
+            </a:extLst>
+          </p:cNvPr>
+          <p:cNvSpPr>
+            <a:spLocks noChangeAspect="1"/>
+          </p:cNvSpPr>
+          <p:nvPr/>
+        </p:nvSpPr>
+        <p:spPr>
+          <a:xfrm>
+            <a:off x="2004400" y="1846051"/>
+            <a:ext cx="1391874" cy="1357365"/>
+          </a:xfrm>
+          <a:prstGeom prst="ellipse">
+            <a:avLst/>
+          </a:prstGeom>
+          <a:solidFill>
+            <a:srgbClr val="0C6B2E"/>
+          </a:solidFill>
+          <a:ln>
+            <a:noFill/>
+          </a:ln>
+        </p:spPr>
+        <p:style>
+          <a:lnRef idx="2">
+            <a:schemeClr val="accent1">
+              <a:shade val="15000"/>
+            </a:schemeClr>
+          </a:lnRef>
+          <a:fillRef idx="1">
+            <a:schemeClr val="accent1"/>
+          </a:fillRef>
+          <a:effectRef idx="0">
+            <a:schemeClr val="accent1"/>
+          </a:effectRef>
+          <a:fontRef idx="minor">
+            <a:schemeClr val="lt1"/>
+          </a:fontRef>
+        </p:style>
+        <p:txBody>
+          <a:bodyPr rtlCol="0" anchor="ctr"/>
+          <a:lstStyle/>
+          <a:p>
+            <a:pPr algn="ctr"/>
+            <a:endParaRPr lang="en-GB"/>
+          </a:p>
+        </p:txBody>
+      </p:sp>
+    </p:spTree>
+    <p:extLst>
+      <p:ext uri="{BB962C8B-B14F-4D97-AF65-F5344CB8AC3E}">
+        <p14:creationId xmlns:p14="http://schemas.microsoft.com/office/powerpoint/2010/main" val="3757974011"/>
+      </p:ext>
+    </p:extLst>
+  </p:cSld>
+  <p:clrMapOvr>
+    <a:masterClrMapping/>
+  </p:clrMapOvr>
+</p:sld>
+</file>
+
+<file path=ppt/slides/slide12.xml><?xml version="1.0" encoding="utf-8"?>
+<p:sld xmlns:a="http://schemas.openxmlformats.org/drawingml/2006/main" xmlns:r="http://schemas.openxmlformats.org/officeDocument/2006/relationships" xmlns:p="http://schemas.openxmlformats.org/presentationml/2006/main">
+  <p:cSld>
+    <p:spTree>
+      <p:nvGrpSpPr>
+        <p:cNvPr id="1" name="">
+          <a:extLst>
+            <a:ext uri="{FF2B5EF4-FFF2-40B4-BE49-F238E27FC236}">
+              <a16:creationId xmlns:a16="http://schemas.microsoft.com/office/drawing/2014/main" id="{1A3817E2-2C46-90DB-CF5C-2F92623221BF}"/>
+            </a:ext>
+          </a:extLst>
+        </p:cNvPr>
+        <p:cNvGrpSpPr/>
+        <p:nvPr/>
+      </p:nvGrpSpPr>
+      <p:grpSpPr>
+        <a:xfrm>
+          <a:off x="0" y="0"/>
+          <a:ext cx="0" cy="0"/>
+          <a:chOff x="0" y="0"/>
+          <a:chExt cx="0" cy="0"/>
+        </a:xfrm>
+      </p:grpSpPr>
+      <p:sp>
+        <p:nvSpPr>
+          <p:cNvPr id="4" name="Rectangle 3">
+            <a:extLst>
+              <a:ext uri="{FF2B5EF4-FFF2-40B4-BE49-F238E27FC236}">
+                <a16:creationId xmlns:a16="http://schemas.microsoft.com/office/drawing/2014/main" id="{130E5BB8-84B2-B4F0-9145-B3DC5218B866}"/>
+              </a:ext>
+            </a:extLst>
+          </p:cNvPr>
+          <p:cNvSpPr>
+            <a:spLocks noChangeAspect="1"/>
+          </p:cNvSpPr>
+          <p:nvPr/>
+        </p:nvSpPr>
+        <p:spPr>
+          <a:xfrm>
+            <a:off x="3767122" y="1855103"/>
+            <a:ext cx="1391874" cy="1357365"/>
+          </a:xfrm>
+          <a:prstGeom prst="rect">
+            <a:avLst/>
+          </a:prstGeom>
+          <a:solidFill>
+            <a:srgbClr val="648FFF"/>
+          </a:solidFill>
+          <a:ln>
+            <a:noFill/>
+          </a:ln>
+        </p:spPr>
+        <p:style>
+          <a:lnRef idx="2">
+            <a:schemeClr val="accent1">
+              <a:shade val="15000"/>
+            </a:schemeClr>
+          </a:lnRef>
+          <a:fillRef idx="1">
+            <a:schemeClr val="accent1"/>
+          </a:fillRef>
+          <a:effectRef idx="0">
+            <a:schemeClr val="accent1"/>
+          </a:effectRef>
+          <a:fontRef idx="minor">
+            <a:schemeClr val="lt1"/>
+          </a:fontRef>
+        </p:style>
+        <p:txBody>
+          <a:bodyPr rtlCol="0" anchor="ctr"/>
+          <a:lstStyle/>
+          <a:p>
+            <a:pPr algn="ctr"/>
+            <a:endParaRPr lang="en-GB"/>
+          </a:p>
+        </p:txBody>
+      </p:sp>
+      <p:sp>
+        <p:nvSpPr>
+          <p:cNvPr id="3" name="Rectangle 2">
+            <a:extLst>
+              <a:ext uri="{FF2B5EF4-FFF2-40B4-BE49-F238E27FC236}">
+                <a16:creationId xmlns:a16="http://schemas.microsoft.com/office/drawing/2014/main" id="{B745836F-AA76-EC8B-B5A4-59CB162DA9CD}"/>
+              </a:ext>
+            </a:extLst>
+          </p:cNvPr>
+          <p:cNvSpPr>
+            <a:spLocks noChangeAspect="1"/>
+          </p:cNvSpPr>
+          <p:nvPr/>
+        </p:nvSpPr>
+        <p:spPr>
+          <a:xfrm>
+            <a:off x="474226" y="1855103"/>
+            <a:ext cx="1391874" cy="1357365"/>
+          </a:xfrm>
+          <a:prstGeom prst="rect">
+            <a:avLst/>
+          </a:prstGeom>
+          <a:solidFill>
+            <a:srgbClr val="648FFF"/>
+          </a:solidFill>
+          <a:ln>
+            <a:noFill/>
+          </a:ln>
+        </p:spPr>
+        <p:style>
+          <a:lnRef idx="2">
+            <a:schemeClr val="accent1">
+              <a:shade val="15000"/>
+            </a:schemeClr>
+          </a:lnRef>
+          <a:fillRef idx="1">
+            <a:schemeClr val="accent1"/>
+          </a:fillRef>
+          <a:effectRef idx="0">
+            <a:schemeClr val="accent1"/>
+          </a:effectRef>
+          <a:fontRef idx="minor">
+            <a:schemeClr val="lt1"/>
+          </a:fontRef>
+        </p:style>
+        <p:txBody>
+          <a:bodyPr rtlCol="0" anchor="ctr"/>
+          <a:lstStyle/>
+          <a:p>
+            <a:pPr algn="ctr"/>
+            <a:endParaRPr lang="en-GB"/>
+          </a:p>
+        </p:txBody>
+      </p:sp>
+      <p:sp>
+        <p:nvSpPr>
+          <p:cNvPr id="5" name="Oval 4">
+            <a:extLst>
+              <a:ext uri="{FF2B5EF4-FFF2-40B4-BE49-F238E27FC236}">
+                <a16:creationId xmlns:a16="http://schemas.microsoft.com/office/drawing/2014/main" id="{D2AF615C-8876-FE02-AB01-30C2931A1422}"/>
+              </a:ext>
+            </a:extLst>
+          </p:cNvPr>
+          <p:cNvSpPr>
+            <a:spLocks noChangeAspect="1"/>
+          </p:cNvSpPr>
+          <p:nvPr/>
+        </p:nvSpPr>
+        <p:spPr>
+          <a:xfrm>
+            <a:off x="2120674" y="1855103"/>
+            <a:ext cx="1391874" cy="1357365"/>
+          </a:xfrm>
+          <a:prstGeom prst="ellipse">
+            <a:avLst/>
+          </a:prstGeom>
+          <a:solidFill>
+            <a:srgbClr val="F35BB4"/>
+          </a:solidFill>
+          <a:ln>
+            <a:noFill/>
+          </a:ln>
+        </p:spPr>
+        <p:style>
+          <a:lnRef idx="2">
+            <a:schemeClr val="accent1">
+              <a:shade val="15000"/>
+            </a:schemeClr>
+          </a:lnRef>
+          <a:fillRef idx="1">
+            <a:schemeClr val="accent1"/>
+          </a:fillRef>
+          <a:effectRef idx="0">
+            <a:schemeClr val="accent1"/>
+          </a:effectRef>
+          <a:fontRef idx="minor">
+            <a:schemeClr val="lt1"/>
+          </a:fontRef>
+        </p:style>
+        <p:txBody>
+          <a:bodyPr rtlCol="0" anchor="ctr"/>
+          <a:lstStyle/>
+          <a:p>
+            <a:pPr algn="ctr"/>
+            <a:endParaRPr lang="en-GB"/>
+          </a:p>
+        </p:txBody>
+      </p:sp>
+    </p:spTree>
+    <p:extLst>
+      <p:ext uri="{BB962C8B-B14F-4D97-AF65-F5344CB8AC3E}">
+        <p14:creationId xmlns:p14="http://schemas.microsoft.com/office/powerpoint/2010/main" val="3641323179"/>
+      </p:ext>
+    </p:extLst>
+  </p:cSld>
+  <p:clrMapOvr>
+    <a:masterClrMapping/>
+  </p:clrMapOvr>
+</p:sld>
+</file>
+
+<file path=ppt/slides/slide13.xml><?xml version="1.0" encoding="utf-8"?>
+<p:sld xmlns:a="http://schemas.openxmlformats.org/drawingml/2006/main" xmlns:r="http://schemas.openxmlformats.org/officeDocument/2006/relationships" xmlns:p="http://schemas.openxmlformats.org/presentationml/2006/main">
+  <p:cSld>
+    <p:spTree>
+      <p:nvGrpSpPr>
+        <p:cNvPr id="1" name="">
+          <a:extLst>
+            <a:ext uri="{FF2B5EF4-FFF2-40B4-BE49-F238E27FC236}">
+              <a16:creationId xmlns:a16="http://schemas.microsoft.com/office/drawing/2014/main" id="{DAE10BE1-4DF1-6955-F548-C875BA0409AE}"/>
+            </a:ext>
+          </a:extLst>
+        </p:cNvPr>
+        <p:cNvGrpSpPr/>
+        <p:nvPr/>
+      </p:nvGrpSpPr>
+      <p:grpSpPr>
+        <a:xfrm>
+          <a:off x="0" y="0"/>
+          <a:ext cx="0" cy="0"/>
+          <a:chOff x="0" y="0"/>
+          <a:chExt cx="0" cy="0"/>
+        </a:xfrm>
+      </p:grpSpPr>
+      <p:sp>
+        <p:nvSpPr>
+          <p:cNvPr id="4" name="Rectangle 3">
+            <a:extLst>
+              <a:ext uri="{FF2B5EF4-FFF2-40B4-BE49-F238E27FC236}">
+                <a16:creationId xmlns:a16="http://schemas.microsoft.com/office/drawing/2014/main" id="{58E18155-B217-C37A-2528-01A9C98946DD}"/>
+              </a:ext>
+            </a:extLst>
+          </p:cNvPr>
+          <p:cNvSpPr>
+            <a:spLocks noChangeAspect="1"/>
+          </p:cNvSpPr>
+          <p:nvPr/>
+        </p:nvSpPr>
+        <p:spPr>
+          <a:xfrm>
+            <a:off x="3767122" y="1855103"/>
+            <a:ext cx="1391874" cy="1357365"/>
+          </a:xfrm>
+          <a:prstGeom prst="rect">
+            <a:avLst/>
+          </a:prstGeom>
+          <a:solidFill>
+            <a:srgbClr val="648FFF"/>
+          </a:solidFill>
+          <a:ln>
+            <a:noFill/>
+          </a:ln>
+        </p:spPr>
+        <p:style>
+          <a:lnRef idx="2">
+            <a:schemeClr val="accent1">
+              <a:shade val="15000"/>
+            </a:schemeClr>
+          </a:lnRef>
+          <a:fillRef idx="1">
+            <a:schemeClr val="accent1"/>
+          </a:fillRef>
+          <a:effectRef idx="0">
+            <a:schemeClr val="accent1"/>
+          </a:effectRef>
+          <a:fontRef idx="minor">
+            <a:schemeClr val="lt1"/>
+          </a:fontRef>
+        </p:style>
+        <p:txBody>
+          <a:bodyPr rtlCol="0" anchor="ctr"/>
+          <a:lstStyle/>
+          <a:p>
+            <a:pPr algn="ctr"/>
+            <a:endParaRPr lang="en-GB"/>
+          </a:p>
+        </p:txBody>
+      </p:sp>
+      <p:sp>
+        <p:nvSpPr>
+          <p:cNvPr id="3" name="Rectangle 2">
+            <a:extLst>
+              <a:ext uri="{FF2B5EF4-FFF2-40B4-BE49-F238E27FC236}">
+                <a16:creationId xmlns:a16="http://schemas.microsoft.com/office/drawing/2014/main" id="{7C3691FF-41F4-A6AA-F4C9-649F5E9A675B}"/>
+              </a:ext>
+            </a:extLst>
+          </p:cNvPr>
+          <p:cNvSpPr>
+            <a:spLocks noChangeAspect="1"/>
+          </p:cNvSpPr>
+          <p:nvPr/>
+        </p:nvSpPr>
+        <p:spPr>
+          <a:xfrm>
+            <a:off x="419905" y="1855102"/>
+            <a:ext cx="1391874" cy="1357365"/>
+          </a:xfrm>
+          <a:prstGeom prst="rect">
+            <a:avLst/>
+          </a:prstGeom>
+          <a:solidFill>
+            <a:srgbClr val="648FFF"/>
+          </a:solidFill>
+          <a:ln>
+            <a:noFill/>
+          </a:ln>
+        </p:spPr>
+        <p:style>
+          <a:lnRef idx="2">
+            <a:schemeClr val="accent1">
+              <a:shade val="15000"/>
+            </a:schemeClr>
+          </a:lnRef>
+          <a:fillRef idx="1">
+            <a:schemeClr val="accent1"/>
+          </a:fillRef>
+          <a:effectRef idx="0">
+            <a:schemeClr val="accent1"/>
+          </a:effectRef>
+          <a:fontRef idx="minor">
+            <a:schemeClr val="lt1"/>
+          </a:fontRef>
+        </p:style>
+        <p:txBody>
+          <a:bodyPr rtlCol="0" anchor="ctr"/>
+          <a:lstStyle/>
+          <a:p>
+            <a:pPr algn="ctr"/>
+            <a:endParaRPr lang="en-GB"/>
+          </a:p>
+        </p:txBody>
+      </p:sp>
+      <p:sp>
+        <p:nvSpPr>
+          <p:cNvPr id="2" name="Rectangle 1">
+            <a:extLst>
+              <a:ext uri="{FF2B5EF4-FFF2-40B4-BE49-F238E27FC236}">
+                <a16:creationId xmlns:a16="http://schemas.microsoft.com/office/drawing/2014/main" id="{865EFAAC-EAFB-3862-8F7F-5F3DF468A087}"/>
+              </a:ext>
+            </a:extLst>
+          </p:cNvPr>
+          <p:cNvSpPr>
+            <a:spLocks noChangeAspect="1"/>
+          </p:cNvSpPr>
+          <p:nvPr/>
+        </p:nvSpPr>
+        <p:spPr>
+          <a:xfrm>
+            <a:off x="2093513" y="1857506"/>
+            <a:ext cx="1391874" cy="1357365"/>
+          </a:xfrm>
+          <a:prstGeom prst="rect">
+            <a:avLst/>
+          </a:prstGeom>
+          <a:solidFill>
+            <a:srgbClr val="0C6B2E"/>
+          </a:solidFill>
+          <a:ln>
+            <a:noFill/>
+          </a:ln>
+        </p:spPr>
+        <p:style>
+          <a:lnRef idx="2">
+            <a:schemeClr val="accent1">
+              <a:shade val="15000"/>
+            </a:schemeClr>
+          </a:lnRef>
+          <a:fillRef idx="1">
+            <a:schemeClr val="accent1"/>
+          </a:fillRef>
+          <a:effectRef idx="0">
+            <a:schemeClr val="accent1"/>
+          </a:effectRef>
+          <a:fontRef idx="minor">
+            <a:schemeClr val="lt1"/>
+          </a:fontRef>
+        </p:style>
+        <p:txBody>
+          <a:bodyPr rtlCol="0" anchor="ctr"/>
+          <a:lstStyle/>
+          <a:p>
+            <a:pPr algn="ctr"/>
+            <a:endParaRPr lang="en-GB"/>
+          </a:p>
+        </p:txBody>
+      </p:sp>
+    </p:spTree>
+    <p:extLst>
+      <p:ext uri="{BB962C8B-B14F-4D97-AF65-F5344CB8AC3E}">
+        <p14:creationId xmlns:p14="http://schemas.microsoft.com/office/powerpoint/2010/main" val="728459099"/>
+      </p:ext>
+    </p:extLst>
+  </p:cSld>
+  <p:clrMapOvr>
+    <a:masterClrMapping/>
+  </p:clrMapOvr>
+</p:sld>
+</file>
+
+<file path=ppt/slides/slide14.xml><?xml version="1.0" encoding="utf-8"?>
+<p:sld xmlns:a="http://schemas.openxmlformats.org/drawingml/2006/main" xmlns:r="http://schemas.openxmlformats.org/officeDocument/2006/relationships" xmlns:p="http://schemas.openxmlformats.org/presentationml/2006/main">
+  <p:cSld>
+    <p:spTree>
+      <p:nvGrpSpPr>
+        <p:cNvPr id="1" name="">
+          <a:extLst>
+            <a:ext uri="{FF2B5EF4-FFF2-40B4-BE49-F238E27FC236}">
+              <a16:creationId xmlns:a16="http://schemas.microsoft.com/office/drawing/2014/main" id="{8376016A-26F6-0CFE-08B0-AA4F0DD639AC}"/>
+            </a:ext>
+          </a:extLst>
+        </p:cNvPr>
+        <p:cNvGrpSpPr/>
+        <p:nvPr/>
+      </p:nvGrpSpPr>
+      <p:grpSpPr>
+        <a:xfrm>
+          <a:off x="0" y="0"/>
+          <a:ext cx="0" cy="0"/>
+          <a:chOff x="0" y="0"/>
+          <a:chExt cx="0" cy="0"/>
+        </a:xfrm>
+      </p:grpSpPr>
+      <p:sp>
+        <p:nvSpPr>
+          <p:cNvPr id="6" name="Rectangle 5">
+            <a:extLst>
+              <a:ext uri="{FF2B5EF4-FFF2-40B4-BE49-F238E27FC236}">
+                <a16:creationId xmlns:a16="http://schemas.microsoft.com/office/drawing/2014/main" id="{DB59634C-C045-F569-AF21-ADF574CCAA0D}"/>
+              </a:ext>
+            </a:extLst>
+          </p:cNvPr>
+          <p:cNvSpPr>
+            <a:spLocks noChangeAspect="1"/>
+          </p:cNvSpPr>
+          <p:nvPr/>
+        </p:nvSpPr>
+        <p:spPr>
+          <a:xfrm>
+            <a:off x="386536" y="1826750"/>
+            <a:ext cx="1391874" cy="1357365"/>
+          </a:xfrm>
+          <a:prstGeom prst="rect">
+            <a:avLst/>
+          </a:prstGeom>
+          <a:solidFill>
+            <a:srgbClr val="0C6B2E"/>
+          </a:solidFill>
+          <a:ln>
+            <a:noFill/>
+          </a:ln>
+        </p:spPr>
+        <p:style>
+          <a:lnRef idx="2">
+            <a:schemeClr val="accent1">
+              <a:shade val="15000"/>
+            </a:schemeClr>
+          </a:lnRef>
+          <a:fillRef idx="1">
+            <a:schemeClr val="accent1"/>
+          </a:fillRef>
+          <a:effectRef idx="0">
+            <a:schemeClr val="accent1"/>
+          </a:effectRef>
+          <a:fontRef idx="minor">
+            <a:schemeClr val="lt1"/>
+          </a:fontRef>
+        </p:style>
+        <p:txBody>
+          <a:bodyPr rtlCol="0" anchor="ctr"/>
+          <a:lstStyle/>
+          <a:p>
+            <a:pPr algn="ctr"/>
+            <a:endParaRPr lang="en-GB"/>
+          </a:p>
+        </p:txBody>
+      </p:sp>
+      <p:sp>
+        <p:nvSpPr>
+          <p:cNvPr id="7" name="Oval 6">
+            <a:extLst>
+              <a:ext uri="{FF2B5EF4-FFF2-40B4-BE49-F238E27FC236}">
+                <a16:creationId xmlns:a16="http://schemas.microsoft.com/office/drawing/2014/main" id="{5840D5DE-593C-BC27-F725-0A091DA62D6B}"/>
+              </a:ext>
+            </a:extLst>
+          </p:cNvPr>
+          <p:cNvSpPr>
+            <a:spLocks noChangeAspect="1"/>
+          </p:cNvSpPr>
+          <p:nvPr/>
+        </p:nvSpPr>
+        <p:spPr>
+          <a:xfrm>
+            <a:off x="2004400" y="1826749"/>
+            <a:ext cx="1391874" cy="1357365"/>
+          </a:xfrm>
+          <a:prstGeom prst="ellipse">
+            <a:avLst/>
+          </a:prstGeom>
+          <a:solidFill>
+            <a:srgbClr val="648FFF"/>
+          </a:solidFill>
+          <a:ln>
+            <a:noFill/>
+          </a:ln>
+        </p:spPr>
+        <p:style>
+          <a:lnRef idx="2">
+            <a:schemeClr val="accent1">
+              <a:shade val="15000"/>
+            </a:schemeClr>
+          </a:lnRef>
+          <a:fillRef idx="1">
+            <a:schemeClr val="accent1"/>
+          </a:fillRef>
+          <a:effectRef idx="0">
+            <a:schemeClr val="accent1"/>
+          </a:effectRef>
+          <a:fontRef idx="minor">
+            <a:schemeClr val="lt1"/>
+          </a:fontRef>
+        </p:style>
+        <p:txBody>
+          <a:bodyPr rtlCol="0" anchor="ctr"/>
+          <a:lstStyle/>
+          <a:p>
+            <a:pPr algn="ctr"/>
+            <a:endParaRPr lang="en-GB"/>
+          </a:p>
+        </p:txBody>
+      </p:sp>
+      <p:sp>
+        <p:nvSpPr>
+          <p:cNvPr id="8" name="Rectangle 7">
+            <a:extLst>
+              <a:ext uri="{FF2B5EF4-FFF2-40B4-BE49-F238E27FC236}">
+                <a16:creationId xmlns:a16="http://schemas.microsoft.com/office/drawing/2014/main" id="{AEE51A49-CA19-0CCF-357A-D7807781C996}"/>
+              </a:ext>
+            </a:extLst>
+          </p:cNvPr>
+          <p:cNvSpPr>
+            <a:spLocks noChangeAspect="1"/>
+          </p:cNvSpPr>
+          <p:nvPr/>
+        </p:nvSpPr>
+        <p:spPr>
+          <a:xfrm>
+            <a:off x="3703748" y="1826748"/>
+            <a:ext cx="1391874" cy="1357365"/>
+          </a:xfrm>
+          <a:prstGeom prst="rect">
+            <a:avLst/>
+          </a:prstGeom>
+          <a:solidFill>
+            <a:srgbClr val="648FFF"/>
+          </a:solidFill>
+          <a:ln>
+            <a:noFill/>
+          </a:ln>
+        </p:spPr>
+        <p:style>
+          <a:lnRef idx="2">
+            <a:schemeClr val="accent1">
+              <a:shade val="15000"/>
+            </a:schemeClr>
+          </a:lnRef>
+          <a:fillRef idx="1">
+            <a:schemeClr val="accent1"/>
+          </a:fillRef>
+          <a:effectRef idx="0">
+            <a:schemeClr val="accent1"/>
+          </a:effectRef>
+          <a:fontRef idx="minor">
+            <a:schemeClr val="lt1"/>
+          </a:fontRef>
+        </p:style>
+        <p:txBody>
+          <a:bodyPr rtlCol="0" anchor="ctr"/>
+          <a:lstStyle/>
+          <a:p>
+            <a:pPr algn="ctr"/>
+            <a:endParaRPr lang="en-GB"/>
+          </a:p>
+        </p:txBody>
+      </p:sp>
+    </p:spTree>
+    <p:extLst>
+      <p:ext uri="{BB962C8B-B14F-4D97-AF65-F5344CB8AC3E}">
+        <p14:creationId xmlns:p14="http://schemas.microsoft.com/office/powerpoint/2010/main" val="154105734"/>
+      </p:ext>
+    </p:extLst>
+  </p:cSld>
+  <p:clrMapOvr>
+    <a:masterClrMapping/>
+  </p:clrMapOvr>
+</p:sld>
+</file>
+
+<file path=ppt/slides/slide15.xml><?xml version="1.0" encoding="utf-8"?>
+<p:sld xmlns:a="http://schemas.openxmlformats.org/drawingml/2006/main" xmlns:r="http://schemas.openxmlformats.org/officeDocument/2006/relationships" xmlns:p="http://schemas.openxmlformats.org/presentationml/2006/main">
+  <p:cSld>
+    <p:spTree>
+      <p:nvGrpSpPr>
+        <p:cNvPr id="1" name="">
+          <a:extLst>
+            <a:ext uri="{FF2B5EF4-FFF2-40B4-BE49-F238E27FC236}">
+              <a16:creationId xmlns:a16="http://schemas.microsoft.com/office/drawing/2014/main" id="{2B9AFD6C-B9BC-27BE-B462-8A492E80EBC9}"/>
+            </a:ext>
+          </a:extLst>
+        </p:cNvPr>
+        <p:cNvGrpSpPr/>
+        <p:nvPr/>
+      </p:nvGrpSpPr>
+      <p:grpSpPr>
+        <a:xfrm>
+          <a:off x="0" y="0"/>
+          <a:ext cx="0" cy="0"/>
+          <a:chOff x="0" y="0"/>
+          <a:chExt cx="0" cy="0"/>
+        </a:xfrm>
+      </p:grpSpPr>
+      <p:sp>
+        <p:nvSpPr>
+          <p:cNvPr id="6" name="Rectangle 5">
+            <a:extLst>
+              <a:ext uri="{FF2B5EF4-FFF2-40B4-BE49-F238E27FC236}">
+                <a16:creationId xmlns:a16="http://schemas.microsoft.com/office/drawing/2014/main" id="{3E6B03BB-FA2A-81EE-9AB7-48AFD221FC37}"/>
+              </a:ext>
+            </a:extLst>
+          </p:cNvPr>
+          <p:cNvSpPr>
+            <a:spLocks noChangeAspect="1"/>
+          </p:cNvSpPr>
+          <p:nvPr/>
+        </p:nvSpPr>
+        <p:spPr>
+          <a:xfrm>
+            <a:off x="386536" y="1826750"/>
+            <a:ext cx="1391874" cy="1357365"/>
+          </a:xfrm>
+          <a:prstGeom prst="rect">
+            <a:avLst/>
+          </a:prstGeom>
+          <a:solidFill>
+            <a:srgbClr val="0C6B2E"/>
+          </a:solidFill>
+          <a:ln>
+            <a:noFill/>
+          </a:ln>
+        </p:spPr>
+        <p:style>
+          <a:lnRef idx="2">
+            <a:schemeClr val="accent1">
+              <a:shade val="15000"/>
+            </a:schemeClr>
+          </a:lnRef>
+          <a:fillRef idx="1">
+            <a:schemeClr val="accent1"/>
+          </a:fillRef>
+          <a:effectRef idx="0">
+            <a:schemeClr val="accent1"/>
+          </a:effectRef>
+          <a:fontRef idx="minor">
+            <a:schemeClr val="lt1"/>
+          </a:fontRef>
+        </p:style>
+        <p:txBody>
+          <a:bodyPr rtlCol="0" anchor="ctr"/>
+          <a:lstStyle/>
+          <a:p>
+            <a:pPr algn="ctr"/>
+            <a:endParaRPr lang="en-GB"/>
+          </a:p>
+        </p:txBody>
+      </p:sp>
+      <p:sp>
+        <p:nvSpPr>
+          <p:cNvPr id="7" name="Oval 6">
+            <a:extLst>
+              <a:ext uri="{FF2B5EF4-FFF2-40B4-BE49-F238E27FC236}">
+                <a16:creationId xmlns:a16="http://schemas.microsoft.com/office/drawing/2014/main" id="{116683B0-150A-9129-1F07-072638B874F4}"/>
+              </a:ext>
+            </a:extLst>
+          </p:cNvPr>
+          <p:cNvSpPr>
+            <a:spLocks noChangeAspect="1"/>
+          </p:cNvSpPr>
+          <p:nvPr/>
+        </p:nvSpPr>
+        <p:spPr>
+          <a:xfrm>
+            <a:off x="3622265" y="1826749"/>
+            <a:ext cx="1391874" cy="1357365"/>
+          </a:xfrm>
+          <a:prstGeom prst="ellipse">
+            <a:avLst/>
+          </a:prstGeom>
+          <a:solidFill>
+            <a:srgbClr val="648FFF"/>
+          </a:solidFill>
+          <a:ln>
+            <a:noFill/>
+          </a:ln>
+        </p:spPr>
+        <p:style>
+          <a:lnRef idx="2">
+            <a:schemeClr val="accent1">
+              <a:shade val="15000"/>
+            </a:schemeClr>
+          </a:lnRef>
+          <a:fillRef idx="1">
+            <a:schemeClr val="accent1"/>
+          </a:fillRef>
+          <a:effectRef idx="0">
+            <a:schemeClr val="accent1"/>
+          </a:effectRef>
+          <a:fontRef idx="minor">
+            <a:schemeClr val="lt1"/>
+          </a:fontRef>
+        </p:style>
+        <p:txBody>
+          <a:bodyPr rtlCol="0" anchor="ctr"/>
+          <a:lstStyle/>
+          <a:p>
+            <a:pPr algn="ctr"/>
+            <a:endParaRPr lang="en-GB"/>
+          </a:p>
+        </p:txBody>
+      </p:sp>
+      <p:sp>
+        <p:nvSpPr>
+          <p:cNvPr id="2" name="Rectangle 1">
+            <a:extLst>
+              <a:ext uri="{FF2B5EF4-FFF2-40B4-BE49-F238E27FC236}">
+                <a16:creationId xmlns:a16="http://schemas.microsoft.com/office/drawing/2014/main" id="{C97C738C-858B-60D3-C266-B89D302E81C5}"/>
+              </a:ext>
+            </a:extLst>
+          </p:cNvPr>
+          <p:cNvSpPr>
+            <a:spLocks noChangeAspect="1"/>
+          </p:cNvSpPr>
+          <p:nvPr/>
+        </p:nvSpPr>
+        <p:spPr>
+          <a:xfrm>
+            <a:off x="2004400" y="1826749"/>
+            <a:ext cx="1391874" cy="1357365"/>
+          </a:xfrm>
+          <a:prstGeom prst="rect">
+            <a:avLst/>
+          </a:prstGeom>
+          <a:solidFill>
+            <a:srgbClr val="0C6B2E"/>
+          </a:solidFill>
+          <a:ln>
+            <a:noFill/>
+          </a:ln>
+        </p:spPr>
+        <p:style>
+          <a:lnRef idx="2">
+            <a:schemeClr val="accent1">
+              <a:shade val="15000"/>
+            </a:schemeClr>
+          </a:lnRef>
+          <a:fillRef idx="1">
+            <a:schemeClr val="accent1"/>
+          </a:fillRef>
+          <a:effectRef idx="0">
+            <a:schemeClr val="accent1"/>
+          </a:effectRef>
+          <a:fontRef idx="minor">
+            <a:schemeClr val="lt1"/>
+          </a:fontRef>
+        </p:style>
+        <p:txBody>
+          <a:bodyPr rtlCol="0" anchor="ctr"/>
+          <a:lstStyle/>
+          <a:p>
+            <a:pPr algn="ctr"/>
+            <a:endParaRPr lang="en-GB"/>
+          </a:p>
+        </p:txBody>
+      </p:sp>
+    </p:spTree>
+    <p:extLst>
+      <p:ext uri="{BB962C8B-B14F-4D97-AF65-F5344CB8AC3E}">
+        <p14:creationId xmlns:p14="http://schemas.microsoft.com/office/powerpoint/2010/main" val="2943370770"/>
+      </p:ext>
+    </p:extLst>
+  </p:cSld>
+  <p:clrMapOvr>
+    <a:masterClrMapping/>
+  </p:clrMapOvr>
+</p:sld>
+</file>
+
+<file path=ppt/slides/slide16.xml><?xml version="1.0" encoding="utf-8"?>
+<p:sld xmlns:a="http://schemas.openxmlformats.org/drawingml/2006/main" xmlns:r="http://schemas.openxmlformats.org/officeDocument/2006/relationships" xmlns:p="http://schemas.openxmlformats.org/presentationml/2006/main">
+  <p:cSld>
+    <p:spTree>
+      <p:nvGrpSpPr>
+        <p:cNvPr id="1" name="">
+          <a:extLst>
+            <a:ext uri="{FF2B5EF4-FFF2-40B4-BE49-F238E27FC236}">
+              <a16:creationId xmlns:a16="http://schemas.microsoft.com/office/drawing/2014/main" id="{5D38E062-DF97-A9D0-823D-D6D7DB249D26}"/>
+            </a:ext>
+          </a:extLst>
+        </p:cNvPr>
+        <p:cNvGrpSpPr/>
+        <p:nvPr/>
+      </p:nvGrpSpPr>
+      <p:grpSpPr>
+        <a:xfrm>
+          <a:off x="0" y="0"/>
+          <a:ext cx="0" cy="0"/>
+          <a:chOff x="0" y="0"/>
+          <a:chExt cx="0" cy="0"/>
+        </a:xfrm>
+      </p:grpSpPr>
+      <p:sp>
+        <p:nvSpPr>
+          <p:cNvPr id="6" name="Rectangle 5">
+            <a:extLst>
+              <a:ext uri="{FF2B5EF4-FFF2-40B4-BE49-F238E27FC236}">
+                <a16:creationId xmlns:a16="http://schemas.microsoft.com/office/drawing/2014/main" id="{F2B76AF8-96E3-E649-5109-00E7BB1362A6}"/>
+              </a:ext>
+            </a:extLst>
+          </p:cNvPr>
+          <p:cNvSpPr>
+            <a:spLocks noChangeAspect="1"/>
+          </p:cNvSpPr>
+          <p:nvPr/>
+        </p:nvSpPr>
+        <p:spPr>
+          <a:xfrm>
+            <a:off x="386536" y="1826750"/>
+            <a:ext cx="1391874" cy="1357365"/>
+          </a:xfrm>
+          <a:prstGeom prst="rect">
+            <a:avLst/>
+          </a:prstGeom>
+          <a:solidFill>
+            <a:srgbClr val="0C6B2E"/>
+          </a:solidFill>
+          <a:ln>
+            <a:noFill/>
+          </a:ln>
+        </p:spPr>
+        <p:style>
+          <a:lnRef idx="2">
+            <a:schemeClr val="accent1">
+              <a:shade val="15000"/>
+            </a:schemeClr>
+          </a:lnRef>
+          <a:fillRef idx="1">
+            <a:schemeClr val="accent1"/>
+          </a:fillRef>
+          <a:effectRef idx="0">
+            <a:schemeClr val="accent1"/>
+          </a:effectRef>
+          <a:fontRef idx="minor">
+            <a:schemeClr val="lt1"/>
+          </a:fontRef>
+        </p:style>
+        <p:txBody>
+          <a:bodyPr rtlCol="0" anchor="ctr"/>
+          <a:lstStyle/>
+          <a:p>
+            <a:pPr algn="ctr"/>
+            <a:endParaRPr lang="en-GB"/>
+          </a:p>
+        </p:txBody>
+      </p:sp>
+      <p:sp>
+        <p:nvSpPr>
+          <p:cNvPr id="2" name="Rectangle 1">
+            <a:extLst>
+              <a:ext uri="{FF2B5EF4-FFF2-40B4-BE49-F238E27FC236}">
+                <a16:creationId xmlns:a16="http://schemas.microsoft.com/office/drawing/2014/main" id="{DF291A66-EE68-1F47-2453-355D35B07BF0}"/>
+              </a:ext>
+            </a:extLst>
+          </p:cNvPr>
+          <p:cNvSpPr>
+            <a:spLocks noChangeAspect="1"/>
+          </p:cNvSpPr>
+          <p:nvPr/>
+        </p:nvSpPr>
+        <p:spPr>
+          <a:xfrm>
+            <a:off x="2004400" y="1826749"/>
+            <a:ext cx="1391874" cy="1357365"/>
+          </a:xfrm>
+          <a:prstGeom prst="rect">
+            <a:avLst/>
+          </a:prstGeom>
+          <a:solidFill>
+            <a:srgbClr val="0C6B2E"/>
+          </a:solidFill>
+          <a:ln>
+            <a:noFill/>
+          </a:ln>
+        </p:spPr>
+        <p:style>
+          <a:lnRef idx="2">
+            <a:schemeClr val="accent1">
+              <a:shade val="15000"/>
+            </a:schemeClr>
+          </a:lnRef>
+          <a:fillRef idx="1">
+            <a:schemeClr val="accent1"/>
+          </a:fillRef>
+          <a:effectRef idx="0">
+            <a:schemeClr val="accent1"/>
+          </a:effectRef>
+          <a:fontRef idx="minor">
+            <a:schemeClr val="lt1"/>
+          </a:fontRef>
+        </p:style>
+        <p:txBody>
+          <a:bodyPr rtlCol="0" anchor="ctr"/>
+          <a:lstStyle/>
+          <a:p>
+            <a:pPr algn="ctr"/>
+            <a:endParaRPr lang="en-GB"/>
+          </a:p>
+        </p:txBody>
+      </p:sp>
+      <p:sp>
+        <p:nvSpPr>
+          <p:cNvPr id="3" name="Rectangle 2">
+            <a:extLst>
+              <a:ext uri="{FF2B5EF4-FFF2-40B4-BE49-F238E27FC236}">
+                <a16:creationId xmlns:a16="http://schemas.microsoft.com/office/drawing/2014/main" id="{B12B9EF2-8FDE-3B7F-9D6D-4745192E3AB2}"/>
+              </a:ext>
+            </a:extLst>
+          </p:cNvPr>
+          <p:cNvSpPr>
+            <a:spLocks noChangeAspect="1"/>
+          </p:cNvSpPr>
+          <p:nvPr/>
+        </p:nvSpPr>
+        <p:spPr>
+          <a:xfrm>
+            <a:off x="3689542" y="1826749"/>
+            <a:ext cx="1391874" cy="1357365"/>
+          </a:xfrm>
+          <a:prstGeom prst="rect">
+            <a:avLst/>
+          </a:prstGeom>
+          <a:solidFill>
+            <a:srgbClr val="0C6B2E"/>
+          </a:solidFill>
+          <a:ln>
+            <a:noFill/>
+          </a:ln>
+        </p:spPr>
+        <p:style>
+          <a:lnRef idx="2">
+            <a:schemeClr val="accent1">
+              <a:shade val="15000"/>
+            </a:schemeClr>
+          </a:lnRef>
+          <a:fillRef idx="1">
+            <a:schemeClr val="accent1"/>
+          </a:fillRef>
+          <a:effectRef idx="0">
+            <a:schemeClr val="accent1"/>
+          </a:effectRef>
+          <a:fontRef idx="minor">
+            <a:schemeClr val="lt1"/>
+          </a:fontRef>
+        </p:style>
+        <p:txBody>
+          <a:bodyPr rtlCol="0" anchor="ctr"/>
+          <a:lstStyle/>
+          <a:p>
+            <a:pPr algn="ctr"/>
+            <a:endParaRPr lang="en-GB"/>
+          </a:p>
+        </p:txBody>
+      </p:sp>
+    </p:spTree>
+    <p:extLst>
+      <p:ext uri="{BB962C8B-B14F-4D97-AF65-F5344CB8AC3E}">
+        <p14:creationId xmlns:p14="http://schemas.microsoft.com/office/powerpoint/2010/main" val="3336999097"/>
+      </p:ext>
+    </p:extLst>
+  </p:cSld>
+  <p:clrMapOvr>
+    <a:masterClrMapping/>
+  </p:clrMapOvr>
+</p:sld>
+</file>
+
+<file path=ppt/slides/slide17.xml><?xml version="1.0" encoding="utf-8"?>
+<p:sld xmlns:a="http://schemas.openxmlformats.org/drawingml/2006/main" xmlns:r="http://schemas.openxmlformats.org/officeDocument/2006/relationships" xmlns:p="http://schemas.openxmlformats.org/presentationml/2006/main">
+  <p:cSld>
+    <p:spTree>
+      <p:nvGrpSpPr>
+        <p:cNvPr id="1" name="">
+          <a:extLst>
+            <a:ext uri="{FF2B5EF4-FFF2-40B4-BE49-F238E27FC236}">
+              <a16:creationId xmlns:a16="http://schemas.microsoft.com/office/drawing/2014/main" id="{839471CC-F36A-2440-BAA0-DF3A8F758023}"/>
+            </a:ext>
+          </a:extLst>
+        </p:cNvPr>
+        <p:cNvGrpSpPr/>
+        <p:nvPr/>
+      </p:nvGrpSpPr>
+      <p:grpSpPr>
+        <a:xfrm>
+          <a:off x="0" y="0"/>
+          <a:ext cx="0" cy="0"/>
+          <a:chOff x="0" y="0"/>
+          <a:chExt cx="0" cy="0"/>
+        </a:xfrm>
+      </p:grpSpPr>
+      <p:sp>
+        <p:nvSpPr>
+          <p:cNvPr id="3" name="Rectangle 2">
+            <a:extLst>
+              <a:ext uri="{FF2B5EF4-FFF2-40B4-BE49-F238E27FC236}">
+                <a16:creationId xmlns:a16="http://schemas.microsoft.com/office/drawing/2014/main" id="{7CD9F59B-A52C-25D9-AE45-B5BA74D5398B}"/>
+              </a:ext>
+            </a:extLst>
+          </p:cNvPr>
+          <p:cNvSpPr>
+            <a:spLocks noChangeAspect="1"/>
+          </p:cNvSpPr>
+          <p:nvPr/>
+        </p:nvSpPr>
+        <p:spPr>
+          <a:xfrm>
+            <a:off x="474226" y="1855103"/>
+            <a:ext cx="1391874" cy="1357365"/>
+          </a:xfrm>
+          <a:prstGeom prst="rect">
+            <a:avLst/>
+          </a:prstGeom>
+          <a:solidFill>
+            <a:srgbClr val="648FFF"/>
+          </a:solidFill>
+          <a:ln>
+            <a:noFill/>
+          </a:ln>
+        </p:spPr>
+        <p:style>
+          <a:lnRef idx="2">
+            <a:schemeClr val="accent1">
+              <a:shade val="15000"/>
+            </a:schemeClr>
+          </a:lnRef>
+          <a:fillRef idx="1">
+            <a:schemeClr val="accent1"/>
+          </a:fillRef>
+          <a:effectRef idx="0">
+            <a:schemeClr val="accent1"/>
+          </a:effectRef>
+          <a:fontRef idx="minor">
+            <a:schemeClr val="lt1"/>
+          </a:fontRef>
+        </p:style>
+        <p:txBody>
+          <a:bodyPr rtlCol="0" anchor="ctr"/>
+          <a:lstStyle/>
+          <a:p>
+            <a:pPr algn="ctr"/>
+            <a:endParaRPr lang="en-GB"/>
+          </a:p>
+        </p:txBody>
+      </p:sp>
+      <p:sp>
+        <p:nvSpPr>
+          <p:cNvPr id="6" name="Oval 5">
+            <a:extLst>
+              <a:ext uri="{FF2B5EF4-FFF2-40B4-BE49-F238E27FC236}">
+                <a16:creationId xmlns:a16="http://schemas.microsoft.com/office/drawing/2014/main" id="{20CAE2B1-0195-D54A-03E9-ABEB358ACB00}"/>
+              </a:ext>
+            </a:extLst>
+          </p:cNvPr>
+          <p:cNvSpPr>
+            <a:spLocks noChangeAspect="1"/>
+          </p:cNvSpPr>
+          <p:nvPr/>
+        </p:nvSpPr>
+        <p:spPr>
+          <a:xfrm>
+            <a:off x="2120674" y="1855102"/>
+            <a:ext cx="1391874" cy="1357365"/>
+          </a:xfrm>
+          <a:prstGeom prst="ellipse">
+            <a:avLst/>
+          </a:prstGeom>
+          <a:solidFill>
+            <a:srgbClr val="648FFF"/>
+          </a:solidFill>
+          <a:ln>
+            <a:noFill/>
+          </a:ln>
+        </p:spPr>
+        <p:style>
+          <a:lnRef idx="2">
+            <a:schemeClr val="accent1">
+              <a:shade val="15000"/>
+            </a:schemeClr>
+          </a:lnRef>
+          <a:fillRef idx="1">
+            <a:schemeClr val="accent1"/>
+          </a:fillRef>
+          <a:effectRef idx="0">
+            <a:schemeClr val="accent1"/>
+          </a:effectRef>
+          <a:fontRef idx="minor">
+            <a:schemeClr val="lt1"/>
+          </a:fontRef>
+        </p:style>
+        <p:txBody>
+          <a:bodyPr rtlCol="0" anchor="ctr"/>
+          <a:lstStyle/>
+          <a:p>
+            <a:pPr algn="ctr"/>
+            <a:endParaRPr lang="en-GB"/>
+          </a:p>
+        </p:txBody>
+      </p:sp>
+      <p:sp>
+        <p:nvSpPr>
+          <p:cNvPr id="7" name="Rectangle 6">
+            <a:extLst>
+              <a:ext uri="{FF2B5EF4-FFF2-40B4-BE49-F238E27FC236}">
+                <a16:creationId xmlns:a16="http://schemas.microsoft.com/office/drawing/2014/main" id="{0931A270-1D46-102B-A0B3-FD1E8BD727ED}"/>
+              </a:ext>
+            </a:extLst>
+          </p:cNvPr>
+          <p:cNvSpPr>
+            <a:spLocks noChangeAspect="1"/>
+          </p:cNvSpPr>
+          <p:nvPr/>
+        </p:nvSpPr>
+        <p:spPr>
+          <a:xfrm>
+            <a:off x="3754425" y="1844285"/>
+            <a:ext cx="1391874" cy="1357365"/>
+          </a:xfrm>
+          <a:prstGeom prst="rect">
+            <a:avLst/>
+          </a:prstGeom>
+          <a:solidFill>
+            <a:srgbClr val="F35BB4"/>
+          </a:solidFill>
+          <a:ln>
+            <a:noFill/>
+          </a:ln>
+        </p:spPr>
+        <p:style>
+          <a:lnRef idx="2">
+            <a:schemeClr val="accent1">
+              <a:shade val="15000"/>
+            </a:schemeClr>
+          </a:lnRef>
+          <a:fillRef idx="1">
+            <a:schemeClr val="accent1"/>
+          </a:fillRef>
+          <a:effectRef idx="0">
+            <a:schemeClr val="accent1"/>
+          </a:effectRef>
+          <a:fontRef idx="minor">
+            <a:schemeClr val="lt1"/>
+          </a:fontRef>
+        </p:style>
+        <p:txBody>
+          <a:bodyPr rtlCol="0" anchor="ctr"/>
+          <a:lstStyle/>
+          <a:p>
+            <a:pPr algn="ctr"/>
+            <a:endParaRPr lang="en-GB"/>
+          </a:p>
+        </p:txBody>
+      </p:sp>
+    </p:spTree>
+    <p:extLst>
+      <p:ext uri="{BB962C8B-B14F-4D97-AF65-F5344CB8AC3E}">
+        <p14:creationId xmlns:p14="http://schemas.microsoft.com/office/powerpoint/2010/main" val="271079699"/>
+      </p:ext>
+    </p:extLst>
+  </p:cSld>
+  <p:clrMapOvr>
+    <a:masterClrMapping/>
+  </p:clrMapOvr>
+</p:sld>
+</file>
+
+<file path=ppt/slides/slide2.xml><?xml version="1.0" encoding="utf-8"?>
+<p:sld xmlns:a="http://schemas.openxmlformats.org/drawingml/2006/main" xmlns:r="http://schemas.openxmlformats.org/officeDocument/2006/relationships" xmlns:p="http://schemas.openxmlformats.org/presentationml/2006/main">
+  <p:cSld>
+    <p:spTree>
+      <p:nvGrpSpPr>
+        <p:cNvPr id="1" name=""/>
+        <p:cNvGrpSpPr/>
+        <p:nvPr/>
+      </p:nvGrpSpPr>
+      <p:grpSpPr>
+        <a:xfrm>
+          <a:off x="0" y="0"/>
+          <a:ext cx="0" cy="0"/>
+          <a:chOff x="0" y="0"/>
+          <a:chExt cx="0" cy="0"/>
+        </a:xfrm>
+      </p:grpSpPr>
+      <p:sp>
+        <p:nvSpPr>
+          <p:cNvPr id="6" name="Rectangle 5">
+            <a:extLst>
+              <a:ext uri="{FF2B5EF4-FFF2-40B4-BE49-F238E27FC236}">
+                <a16:creationId xmlns:a16="http://schemas.microsoft.com/office/drawing/2014/main" id="{77DC5F38-6BDB-1600-9AB3-2A45AEAB8EAB}"/>
+              </a:ext>
+            </a:extLst>
+          </p:cNvPr>
+          <p:cNvSpPr>
+            <a:spLocks noChangeAspect="1"/>
+          </p:cNvSpPr>
+          <p:nvPr/>
+        </p:nvSpPr>
+        <p:spPr>
+          <a:xfrm>
+            <a:off x="2004400" y="1846052"/>
+            <a:ext cx="1391874" cy="1357365"/>
+          </a:xfrm>
+          <a:prstGeom prst="rect">
+            <a:avLst/>
+          </a:prstGeom>
+          <a:solidFill>
+            <a:srgbClr val="648FFF"/>
+          </a:solidFill>
+          <a:ln>
+            <a:noFill/>
+          </a:ln>
+        </p:spPr>
+        <p:style>
+          <a:lnRef idx="2">
+            <a:schemeClr val="accent1">
+              <a:shade val="15000"/>
+            </a:schemeClr>
+          </a:lnRef>
+          <a:fillRef idx="1">
+            <a:schemeClr val="accent1"/>
+          </a:fillRef>
+          <a:effectRef idx="0">
+            <a:schemeClr val="accent1"/>
+          </a:effectRef>
+          <a:fontRef idx="minor">
+            <a:schemeClr val="lt1"/>
+          </a:fontRef>
+        </p:style>
+        <p:txBody>
+          <a:bodyPr rtlCol="0" anchor="ctr"/>
+          <a:lstStyle/>
+          <a:p>
+            <a:pPr algn="ctr"/>
+            <a:endParaRPr lang="en-GB"/>
+          </a:p>
+        </p:txBody>
+      </p:sp>
+      <p:sp>
+        <p:nvSpPr>
+          <p:cNvPr id="4" name="Oval 3">
+            <a:extLst>
+              <a:ext uri="{FF2B5EF4-FFF2-40B4-BE49-F238E27FC236}">
+                <a16:creationId xmlns:a16="http://schemas.microsoft.com/office/drawing/2014/main" id="{A5D00632-C5F2-B986-62B7-5205D04E5C68}"/>
+              </a:ext>
+            </a:extLst>
+          </p:cNvPr>
+          <p:cNvSpPr>
+            <a:spLocks noChangeAspect="1"/>
+          </p:cNvSpPr>
+          <p:nvPr/>
+        </p:nvSpPr>
+        <p:spPr>
+          <a:xfrm>
+            <a:off x="275328" y="1846050"/>
+            <a:ext cx="1391874" cy="1357365"/>
+          </a:xfrm>
+          <a:prstGeom prst="ellipse">
+            <a:avLst/>
+          </a:prstGeom>
+          <a:solidFill>
+            <a:srgbClr val="F35BB4"/>
+          </a:solidFill>
+          <a:ln>
+            <a:noFill/>
+          </a:ln>
+        </p:spPr>
+        <p:style>
+          <a:lnRef idx="2">
+            <a:schemeClr val="accent1">
+              <a:shade val="15000"/>
+            </a:schemeClr>
+          </a:lnRef>
+          <a:fillRef idx="1">
+            <a:schemeClr val="accent1"/>
+          </a:fillRef>
+          <a:effectRef idx="0">
+            <a:schemeClr val="accent1"/>
+          </a:effectRef>
+          <a:fontRef idx="minor">
+            <a:schemeClr val="lt1"/>
+          </a:fontRef>
+        </p:style>
+        <p:txBody>
+          <a:bodyPr rtlCol="0" anchor="ctr"/>
+          <a:lstStyle/>
+          <a:p>
+            <a:pPr algn="ctr"/>
+            <a:endParaRPr lang="en-GB"/>
+          </a:p>
+        </p:txBody>
+      </p:sp>
+      <p:sp>
+        <p:nvSpPr>
+          <p:cNvPr id="5" name="Triangle 4">
+            <a:extLst>
+              <a:ext uri="{FF2B5EF4-FFF2-40B4-BE49-F238E27FC236}">
+                <a16:creationId xmlns:a16="http://schemas.microsoft.com/office/drawing/2014/main" id="{D8CFA293-B87D-E0E0-0746-085DD53471E8}"/>
+              </a:ext>
+            </a:extLst>
+          </p:cNvPr>
+          <p:cNvSpPr>
+            <a:spLocks noChangeAspect="1"/>
+          </p:cNvSpPr>
+          <p:nvPr/>
+        </p:nvSpPr>
+        <p:spPr>
+          <a:xfrm>
+            <a:off x="3733473" y="1846051"/>
+            <a:ext cx="1391874" cy="1357365"/>
+          </a:xfrm>
+          <a:prstGeom prst="triangle">
+            <a:avLst/>
+          </a:prstGeom>
+          <a:solidFill>
+            <a:srgbClr val="F35BB4"/>
+          </a:solidFill>
+          <a:ln>
+            <a:noFill/>
+          </a:ln>
+        </p:spPr>
+        <p:style>
+          <a:lnRef idx="2">
+            <a:schemeClr val="accent1">
+              <a:shade val="15000"/>
+            </a:schemeClr>
+          </a:lnRef>
+          <a:fillRef idx="1">
+            <a:schemeClr val="accent1"/>
+          </a:fillRef>
+          <a:effectRef idx="0">
+            <a:schemeClr val="accent1"/>
+          </a:effectRef>
+          <a:fontRef idx="minor">
+            <a:schemeClr val="lt1"/>
+          </a:fontRef>
+        </p:style>
+        <p:txBody>
+          <a:bodyPr rtlCol="0" anchor="ctr"/>
+          <a:lstStyle/>
+          <a:p>
+            <a:pPr algn="ctr"/>
+            <a:endParaRPr lang="en-GB"/>
+          </a:p>
+        </p:txBody>
+      </p:sp>
+    </p:spTree>
+    <p:extLst>
+      <p:ext uri="{BB962C8B-B14F-4D97-AF65-F5344CB8AC3E}">
+        <p14:creationId xmlns:p14="http://schemas.microsoft.com/office/powerpoint/2010/main" val="2020309700"/>
+      </p:ext>
+    </p:extLst>
+  </p:cSld>
+  <p:clrMapOvr>
+    <a:masterClrMapping/>
+  </p:clrMapOvr>
+</p:sld>
+</file>
+
+<file path=ppt/slides/slide3.xml><?xml version="1.0" encoding="utf-8"?>
+<p:sld xmlns:a="http://schemas.openxmlformats.org/drawingml/2006/main" xmlns:r="http://schemas.openxmlformats.org/officeDocument/2006/relationships" xmlns:p="http://schemas.openxmlformats.org/presentationml/2006/main">
+  <p:cSld>
+    <p:spTree>
+      <p:nvGrpSpPr>
+        <p:cNvPr id="1" name="">
+          <a:extLst>
+            <a:ext uri="{FF2B5EF4-FFF2-40B4-BE49-F238E27FC236}">
+              <a16:creationId xmlns:a16="http://schemas.microsoft.com/office/drawing/2014/main" id="{66D1FC38-B4BE-3CAB-8B4C-D1E534087EA2}"/>
+            </a:ext>
+          </a:extLst>
+        </p:cNvPr>
+        <p:cNvGrpSpPr/>
+        <p:nvPr/>
+      </p:nvGrpSpPr>
+      <p:grpSpPr>
+        <a:xfrm>
+          <a:off x="0" y="0"/>
+          <a:ext cx="0" cy="0"/>
+          <a:chOff x="0" y="0"/>
+          <a:chExt cx="0" cy="0"/>
+        </a:xfrm>
+      </p:grpSpPr>
+      <p:sp>
+        <p:nvSpPr>
+          <p:cNvPr id="6" name="Rectangle 5">
+            <a:extLst>
+              <a:ext uri="{FF2B5EF4-FFF2-40B4-BE49-F238E27FC236}">
+                <a16:creationId xmlns:a16="http://schemas.microsoft.com/office/drawing/2014/main" id="{5E3F540A-877E-4C39-4BD4-0C06F1300477}"/>
+              </a:ext>
+            </a:extLst>
+          </p:cNvPr>
+          <p:cNvSpPr>
+            <a:spLocks noChangeAspect="1"/>
+          </p:cNvSpPr>
+          <p:nvPr/>
+        </p:nvSpPr>
+        <p:spPr>
+          <a:xfrm>
+            <a:off x="2004400" y="1846052"/>
+            <a:ext cx="1391874" cy="1357365"/>
+          </a:xfrm>
+          <a:prstGeom prst="rect">
+            <a:avLst/>
+          </a:prstGeom>
+          <a:solidFill>
+            <a:srgbClr val="648FFF"/>
+          </a:solidFill>
+          <a:ln>
+            <a:noFill/>
+          </a:ln>
+        </p:spPr>
+        <p:style>
+          <a:lnRef idx="2">
+            <a:schemeClr val="accent1">
+              <a:shade val="15000"/>
+            </a:schemeClr>
+          </a:lnRef>
+          <a:fillRef idx="1">
+            <a:schemeClr val="accent1"/>
+          </a:fillRef>
+          <a:effectRef idx="0">
+            <a:schemeClr val="accent1"/>
+          </a:effectRef>
+          <a:fontRef idx="minor">
+            <a:schemeClr val="lt1"/>
+          </a:fontRef>
+        </p:style>
+        <p:txBody>
+          <a:bodyPr rtlCol="0" anchor="ctr"/>
+          <a:lstStyle/>
+          <a:p>
+            <a:pPr algn="ctr"/>
+            <a:endParaRPr lang="en-GB"/>
+          </a:p>
+        </p:txBody>
+      </p:sp>
+      <p:sp>
+        <p:nvSpPr>
+          <p:cNvPr id="5" name="Triangle 4">
+            <a:extLst>
+              <a:ext uri="{FF2B5EF4-FFF2-40B4-BE49-F238E27FC236}">
+                <a16:creationId xmlns:a16="http://schemas.microsoft.com/office/drawing/2014/main" id="{EDB38956-AFD3-47D8-CC2F-B0BC4989E46E}"/>
+              </a:ext>
+            </a:extLst>
+          </p:cNvPr>
+          <p:cNvSpPr>
+            <a:spLocks noChangeAspect="1"/>
+          </p:cNvSpPr>
+          <p:nvPr/>
+        </p:nvSpPr>
+        <p:spPr>
+          <a:xfrm>
+            <a:off x="3733473" y="1846051"/>
+            <a:ext cx="1391874" cy="1357365"/>
+          </a:xfrm>
+          <a:prstGeom prst="triangle">
+            <a:avLst/>
+          </a:prstGeom>
+          <a:solidFill>
+            <a:srgbClr val="F35BB4"/>
+          </a:solidFill>
+          <a:ln>
+            <a:noFill/>
+          </a:ln>
+        </p:spPr>
+        <p:style>
+          <a:lnRef idx="2">
+            <a:schemeClr val="accent1">
+              <a:shade val="15000"/>
+            </a:schemeClr>
+          </a:lnRef>
+          <a:fillRef idx="1">
+            <a:schemeClr val="accent1"/>
+          </a:fillRef>
+          <a:effectRef idx="0">
+            <a:schemeClr val="accent1"/>
+          </a:effectRef>
+          <a:fontRef idx="minor">
+            <a:schemeClr val="lt1"/>
+          </a:fontRef>
+        </p:style>
+        <p:txBody>
+          <a:bodyPr rtlCol="0" anchor="ctr"/>
+          <a:lstStyle/>
+          <a:p>
+            <a:pPr algn="ctr"/>
+            <a:endParaRPr lang="en-GB"/>
+          </a:p>
+        </p:txBody>
+      </p:sp>
+      <p:sp>
+        <p:nvSpPr>
+          <p:cNvPr id="2" name="Triangle 1">
+            <a:extLst>
+              <a:ext uri="{FF2B5EF4-FFF2-40B4-BE49-F238E27FC236}">
+                <a16:creationId xmlns:a16="http://schemas.microsoft.com/office/drawing/2014/main" id="{9E45E99F-9B91-5D0E-F7CC-72C432F1B044}"/>
+              </a:ext>
+            </a:extLst>
+          </p:cNvPr>
+          <p:cNvSpPr>
+            <a:spLocks noChangeAspect="1"/>
+          </p:cNvSpPr>
+          <p:nvPr/>
+        </p:nvSpPr>
+        <p:spPr>
+          <a:xfrm>
+            <a:off x="353966" y="1846051"/>
+            <a:ext cx="1391874" cy="1357365"/>
+          </a:xfrm>
+          <a:prstGeom prst="triangle">
+            <a:avLst/>
+          </a:prstGeom>
+          <a:solidFill>
+            <a:srgbClr val="0C6B2E"/>
+          </a:solidFill>
+          <a:ln>
+            <a:noFill/>
+          </a:ln>
+        </p:spPr>
+        <p:style>
+          <a:lnRef idx="2">
+            <a:schemeClr val="accent1">
+              <a:shade val="15000"/>
+            </a:schemeClr>
+          </a:lnRef>
+          <a:fillRef idx="1">
+            <a:schemeClr val="accent1"/>
+          </a:fillRef>
+          <a:effectRef idx="0">
+            <a:schemeClr val="accent1"/>
+          </a:effectRef>
+          <a:fontRef idx="minor">
+            <a:schemeClr val="lt1"/>
+          </a:fontRef>
+        </p:style>
+        <p:txBody>
+          <a:bodyPr rtlCol="0" anchor="ctr"/>
+          <a:lstStyle/>
+          <a:p>
+            <a:pPr algn="ctr"/>
+            <a:endParaRPr lang="en-GB" dirty="0"/>
+          </a:p>
+        </p:txBody>
+      </p:sp>
+    </p:spTree>
+    <p:extLst>
+      <p:ext uri="{BB962C8B-B14F-4D97-AF65-F5344CB8AC3E}">
+        <p14:creationId xmlns:p14="http://schemas.microsoft.com/office/powerpoint/2010/main" val="2348542524"/>
+      </p:ext>
+    </p:extLst>
+  </p:cSld>
+  <p:clrMapOvr>
+    <a:masterClrMapping/>
+  </p:clrMapOvr>
+</p:sld>
+</file>
+
+<file path=ppt/slides/slide4.xml><?xml version="1.0" encoding="utf-8"?>
+<p:sld xmlns:a="http://schemas.openxmlformats.org/drawingml/2006/main" xmlns:r="http://schemas.openxmlformats.org/officeDocument/2006/relationships" xmlns:p="http://schemas.openxmlformats.org/presentationml/2006/main">
+  <p:cSld>
+    <p:spTree>
+      <p:nvGrpSpPr>
+        <p:cNvPr id="1" name="">
+          <a:extLst>
+            <a:ext uri="{FF2B5EF4-FFF2-40B4-BE49-F238E27FC236}">
+              <a16:creationId xmlns:a16="http://schemas.microsoft.com/office/drawing/2014/main" id="{F220AEC1-3046-E082-06CC-EC417268C046}"/>
+            </a:ext>
+          </a:extLst>
+        </p:cNvPr>
+        <p:cNvGrpSpPr/>
+        <p:nvPr/>
+      </p:nvGrpSpPr>
+      <p:grpSpPr>
+        <a:xfrm>
+          <a:off x="0" y="0"/>
+          <a:ext cx="0" cy="0"/>
+          <a:chOff x="0" y="0"/>
+          <a:chExt cx="0" cy="0"/>
+        </a:xfrm>
+      </p:grpSpPr>
+      <p:sp>
+        <p:nvSpPr>
+          <p:cNvPr id="6" name="Rectangle 5">
+            <a:extLst>
+              <a:ext uri="{FF2B5EF4-FFF2-40B4-BE49-F238E27FC236}">
+                <a16:creationId xmlns:a16="http://schemas.microsoft.com/office/drawing/2014/main" id="{883DE149-2F5D-5D3C-FF64-D7242BCE6602}"/>
+              </a:ext>
+            </a:extLst>
+          </p:cNvPr>
+          <p:cNvSpPr>
+            <a:spLocks noChangeAspect="1"/>
+          </p:cNvSpPr>
+          <p:nvPr/>
+        </p:nvSpPr>
+        <p:spPr>
+          <a:xfrm>
+            <a:off x="2004400" y="1846052"/>
+            <a:ext cx="1391874" cy="1357365"/>
+          </a:xfrm>
+          <a:prstGeom prst="rect">
+            <a:avLst/>
+          </a:prstGeom>
+          <a:solidFill>
+            <a:srgbClr val="648FFF"/>
+          </a:solidFill>
+          <a:ln>
+            <a:noFill/>
+          </a:ln>
+        </p:spPr>
+        <p:style>
+          <a:lnRef idx="2">
+            <a:schemeClr val="accent1">
+              <a:shade val="15000"/>
+            </a:schemeClr>
+          </a:lnRef>
+          <a:fillRef idx="1">
+            <a:schemeClr val="accent1"/>
+          </a:fillRef>
+          <a:effectRef idx="0">
+            <a:schemeClr val="accent1"/>
+          </a:effectRef>
+          <a:fontRef idx="minor">
+            <a:schemeClr val="lt1"/>
+          </a:fontRef>
+        </p:style>
+        <p:txBody>
+          <a:bodyPr rtlCol="0" anchor="ctr"/>
+          <a:lstStyle/>
+          <a:p>
+            <a:pPr algn="ctr"/>
+            <a:endParaRPr lang="en-GB"/>
+          </a:p>
+        </p:txBody>
+      </p:sp>
+      <p:sp>
+        <p:nvSpPr>
+          <p:cNvPr id="2" name="Triangle 1">
+            <a:extLst>
+              <a:ext uri="{FF2B5EF4-FFF2-40B4-BE49-F238E27FC236}">
+                <a16:creationId xmlns:a16="http://schemas.microsoft.com/office/drawing/2014/main" id="{28882576-471A-32BA-4703-5309076D2DB6}"/>
+              </a:ext>
+            </a:extLst>
+          </p:cNvPr>
+          <p:cNvSpPr>
+            <a:spLocks noChangeAspect="1"/>
+          </p:cNvSpPr>
+          <p:nvPr/>
+        </p:nvSpPr>
+        <p:spPr>
+          <a:xfrm>
+            <a:off x="353966" y="1846051"/>
+            <a:ext cx="1391874" cy="1357365"/>
+          </a:xfrm>
+          <a:prstGeom prst="triangle">
+            <a:avLst/>
+          </a:prstGeom>
+          <a:solidFill>
+            <a:srgbClr val="0C6B2E"/>
+          </a:solidFill>
+          <a:ln>
+            <a:noFill/>
+          </a:ln>
+        </p:spPr>
+        <p:style>
+          <a:lnRef idx="2">
+            <a:schemeClr val="accent1">
+              <a:shade val="15000"/>
+            </a:schemeClr>
+          </a:lnRef>
+          <a:fillRef idx="1">
+            <a:schemeClr val="accent1"/>
+          </a:fillRef>
+          <a:effectRef idx="0">
+            <a:schemeClr val="accent1"/>
+          </a:effectRef>
+          <a:fontRef idx="minor">
+            <a:schemeClr val="lt1"/>
+          </a:fontRef>
+        </p:style>
+        <p:txBody>
+          <a:bodyPr rtlCol="0" anchor="ctr"/>
+          <a:lstStyle/>
+          <a:p>
+            <a:pPr algn="ctr"/>
+            <a:endParaRPr lang="en-GB" dirty="0"/>
+          </a:p>
+        </p:txBody>
+      </p:sp>
+      <p:sp>
+        <p:nvSpPr>
+          <p:cNvPr id="3" name="Triangle 2">
+            <a:extLst>
+              <a:ext uri="{FF2B5EF4-FFF2-40B4-BE49-F238E27FC236}">
+                <a16:creationId xmlns:a16="http://schemas.microsoft.com/office/drawing/2014/main" id="{80BC4C0F-3ADC-F17F-1C1D-5ADA83E76165}"/>
+              </a:ext>
+            </a:extLst>
+          </p:cNvPr>
+          <p:cNvSpPr>
+            <a:spLocks noChangeAspect="1"/>
+          </p:cNvSpPr>
+          <p:nvPr/>
+        </p:nvSpPr>
+        <p:spPr>
+          <a:xfrm>
+            <a:off x="3758068" y="1846050"/>
+            <a:ext cx="1391874" cy="1357365"/>
+          </a:xfrm>
+          <a:prstGeom prst="triangle">
+            <a:avLst/>
+          </a:prstGeom>
+          <a:solidFill>
+            <a:srgbClr val="648FFF"/>
+          </a:solidFill>
+          <a:ln>
+            <a:noFill/>
+          </a:ln>
+        </p:spPr>
+        <p:style>
+          <a:lnRef idx="2">
+            <a:schemeClr val="accent1">
+              <a:shade val="15000"/>
+            </a:schemeClr>
+          </a:lnRef>
+          <a:fillRef idx="1">
+            <a:schemeClr val="accent1"/>
+          </a:fillRef>
+          <a:effectRef idx="0">
+            <a:schemeClr val="accent1"/>
+          </a:effectRef>
+          <a:fontRef idx="minor">
+            <a:schemeClr val="lt1"/>
+          </a:fontRef>
+        </p:style>
+        <p:txBody>
+          <a:bodyPr rtlCol="0" anchor="ctr"/>
+          <a:lstStyle/>
+          <a:p>
+            <a:pPr algn="ctr"/>
+            <a:endParaRPr lang="en-GB"/>
+          </a:p>
+        </p:txBody>
+      </p:sp>
+    </p:spTree>
+    <p:extLst>
+      <p:ext uri="{BB962C8B-B14F-4D97-AF65-F5344CB8AC3E}">
+        <p14:creationId xmlns:p14="http://schemas.microsoft.com/office/powerpoint/2010/main" val="1088067451"/>
+      </p:ext>
+    </p:extLst>
+  </p:cSld>
+  <p:clrMapOvr>
+    <a:masterClrMapping/>
+  </p:clrMapOvr>
+</p:sld>
+</file>
+
+<file path=ppt/slides/slide5.xml><?xml version="1.0" encoding="utf-8"?>
+<p:sld xmlns:a="http://schemas.openxmlformats.org/drawingml/2006/main" xmlns:r="http://schemas.openxmlformats.org/officeDocument/2006/relationships" xmlns:p="http://schemas.openxmlformats.org/presentationml/2006/main">
+  <p:cSld>
+    <p:spTree>
+      <p:nvGrpSpPr>
+        <p:cNvPr id="1" name="">
+          <a:extLst>
+            <a:ext uri="{FF2B5EF4-FFF2-40B4-BE49-F238E27FC236}">
+              <a16:creationId xmlns:a16="http://schemas.microsoft.com/office/drawing/2014/main" id="{01591E9C-DB1B-CA70-47B0-0BBEFA720F47}"/>
+            </a:ext>
+          </a:extLst>
+        </p:cNvPr>
+        <p:cNvGrpSpPr/>
+        <p:nvPr/>
+      </p:nvGrpSpPr>
+      <p:grpSpPr>
+        <a:xfrm>
+          <a:off x="0" y="0"/>
+          <a:ext cx="0" cy="0"/>
+          <a:chOff x="0" y="0"/>
+          <a:chExt cx="0" cy="0"/>
+        </a:xfrm>
+      </p:grpSpPr>
+      <p:sp>
+        <p:nvSpPr>
+          <p:cNvPr id="5" name="Triangle 4">
+            <a:extLst>
+              <a:ext uri="{FF2B5EF4-FFF2-40B4-BE49-F238E27FC236}">
+                <a16:creationId xmlns:a16="http://schemas.microsoft.com/office/drawing/2014/main" id="{6652E1B7-5755-4BF8-028F-237C874A0639}"/>
+              </a:ext>
+            </a:extLst>
+          </p:cNvPr>
+          <p:cNvSpPr>
+            <a:spLocks noChangeAspect="1"/>
+          </p:cNvSpPr>
+          <p:nvPr/>
+        </p:nvSpPr>
+        <p:spPr>
+          <a:xfrm>
+            <a:off x="474226" y="1855104"/>
+            <a:ext cx="1391874" cy="1357365"/>
+          </a:xfrm>
+          <a:prstGeom prst="triangle">
+            <a:avLst/>
+          </a:prstGeom>
+          <a:solidFill>
+            <a:srgbClr val="F35BB4"/>
+          </a:solidFill>
+          <a:ln>
+            <a:noFill/>
+          </a:ln>
+        </p:spPr>
+        <p:style>
+          <a:lnRef idx="2">
+            <a:schemeClr val="accent1">
+              <a:shade val="15000"/>
+            </a:schemeClr>
+          </a:lnRef>
+          <a:fillRef idx="1">
+            <a:schemeClr val="accent1"/>
+          </a:fillRef>
+          <a:effectRef idx="0">
+            <a:schemeClr val="accent1"/>
+          </a:effectRef>
+          <a:fontRef idx="minor">
+            <a:schemeClr val="lt1"/>
+          </a:fontRef>
+        </p:style>
+        <p:txBody>
+          <a:bodyPr rtlCol="0" anchor="ctr"/>
+          <a:lstStyle/>
+          <a:p>
+            <a:pPr algn="ctr"/>
+            <a:endParaRPr lang="en-GB"/>
+          </a:p>
+        </p:txBody>
+      </p:sp>
+      <p:sp>
+        <p:nvSpPr>
+          <p:cNvPr id="2" name="Triangle 1">
+            <a:extLst>
+              <a:ext uri="{FF2B5EF4-FFF2-40B4-BE49-F238E27FC236}">
+                <a16:creationId xmlns:a16="http://schemas.microsoft.com/office/drawing/2014/main" id="{68974E4E-8EF1-A006-7DB1-A107EC9FFF01}"/>
+              </a:ext>
+            </a:extLst>
+          </p:cNvPr>
+          <p:cNvSpPr>
+            <a:spLocks noChangeAspect="1"/>
+          </p:cNvSpPr>
+          <p:nvPr/>
+        </p:nvSpPr>
+        <p:spPr>
+          <a:xfrm>
+            <a:off x="2120674" y="1855104"/>
+            <a:ext cx="1391874" cy="1357365"/>
+          </a:xfrm>
+          <a:prstGeom prst="triangle">
+            <a:avLst/>
+          </a:prstGeom>
+          <a:solidFill>
+            <a:srgbClr val="0C6B2E"/>
+          </a:solidFill>
+          <a:ln>
+            <a:noFill/>
+          </a:ln>
+        </p:spPr>
+        <p:style>
+          <a:lnRef idx="2">
+            <a:schemeClr val="accent1">
+              <a:shade val="15000"/>
+            </a:schemeClr>
+          </a:lnRef>
+          <a:fillRef idx="1">
+            <a:schemeClr val="accent1"/>
+          </a:fillRef>
+          <a:effectRef idx="0">
+            <a:schemeClr val="accent1"/>
+          </a:effectRef>
+          <a:fontRef idx="minor">
+            <a:schemeClr val="lt1"/>
+          </a:fontRef>
+        </p:style>
+        <p:txBody>
+          <a:bodyPr rtlCol="0" anchor="ctr"/>
+          <a:lstStyle/>
+          <a:p>
+            <a:pPr algn="ctr"/>
+            <a:endParaRPr lang="en-GB" dirty="0"/>
+          </a:p>
+        </p:txBody>
+      </p:sp>
+      <p:sp>
+        <p:nvSpPr>
+          <p:cNvPr id="3" name="Rectangle 2">
+            <a:extLst>
+              <a:ext uri="{FF2B5EF4-FFF2-40B4-BE49-F238E27FC236}">
+                <a16:creationId xmlns:a16="http://schemas.microsoft.com/office/drawing/2014/main" id="{492E60BA-7204-E8FA-AB08-23C10CA06097}"/>
+              </a:ext>
+            </a:extLst>
+          </p:cNvPr>
+          <p:cNvSpPr>
+            <a:spLocks noChangeAspect="1"/>
+          </p:cNvSpPr>
+          <p:nvPr/>
+        </p:nvSpPr>
+        <p:spPr>
+          <a:xfrm>
+            <a:off x="3767122" y="1855104"/>
+            <a:ext cx="1391874" cy="1357365"/>
+          </a:xfrm>
+          <a:prstGeom prst="rect">
+            <a:avLst/>
+          </a:prstGeom>
+          <a:solidFill>
+            <a:srgbClr val="0C6B2E"/>
+          </a:solidFill>
+          <a:ln>
+            <a:noFill/>
+          </a:ln>
+        </p:spPr>
+        <p:style>
+          <a:lnRef idx="2">
+            <a:schemeClr val="accent1">
+              <a:shade val="15000"/>
+            </a:schemeClr>
+          </a:lnRef>
+          <a:fillRef idx="1">
+            <a:schemeClr val="accent1"/>
+          </a:fillRef>
+          <a:effectRef idx="0">
+            <a:schemeClr val="accent1"/>
+          </a:effectRef>
+          <a:fontRef idx="minor">
+            <a:schemeClr val="lt1"/>
+          </a:fontRef>
+        </p:style>
+        <p:txBody>
+          <a:bodyPr rtlCol="0" anchor="ctr"/>
+          <a:lstStyle/>
+          <a:p>
+            <a:pPr algn="ctr"/>
+            <a:endParaRPr lang="en-GB"/>
+          </a:p>
+        </p:txBody>
+      </p:sp>
+    </p:spTree>
+    <p:extLst>
+      <p:ext uri="{BB962C8B-B14F-4D97-AF65-F5344CB8AC3E}">
+        <p14:creationId xmlns:p14="http://schemas.microsoft.com/office/powerpoint/2010/main" val="2296592546"/>
+      </p:ext>
+    </p:extLst>
+  </p:cSld>
+  <p:clrMapOvr>
+    <a:masterClrMapping/>
+  </p:clrMapOvr>
+</p:sld>
+</file>
+
+<file path=ppt/slides/slide6.xml><?xml version="1.0" encoding="utf-8"?>
+<p:sld xmlns:a="http://schemas.openxmlformats.org/drawingml/2006/main" xmlns:r="http://schemas.openxmlformats.org/officeDocument/2006/relationships" xmlns:p="http://schemas.openxmlformats.org/presentationml/2006/main">
+  <p:cSld>
+    <p:spTree>
+      <p:nvGrpSpPr>
+        <p:cNvPr id="1" name="">
+          <a:extLst>
+            <a:ext uri="{FF2B5EF4-FFF2-40B4-BE49-F238E27FC236}">
+              <a16:creationId xmlns:a16="http://schemas.microsoft.com/office/drawing/2014/main" id="{7DB47E96-7A53-3B22-12C0-003BAC3909BD}"/>
+            </a:ext>
+          </a:extLst>
+        </p:cNvPr>
+        <p:cNvGrpSpPr/>
+        <p:nvPr/>
+      </p:nvGrpSpPr>
+      <p:grpSpPr>
+        <a:xfrm>
+          <a:off x="0" y="0"/>
+          <a:ext cx="0" cy="0"/>
+          <a:chOff x="0" y="0"/>
+          <a:chExt cx="0" cy="0"/>
+        </a:xfrm>
+      </p:grpSpPr>
+      <p:sp>
+        <p:nvSpPr>
+          <p:cNvPr id="8" name="Rectangle 7">
+            <a:extLst>
+              <a:ext uri="{FF2B5EF4-FFF2-40B4-BE49-F238E27FC236}">
+                <a16:creationId xmlns:a16="http://schemas.microsoft.com/office/drawing/2014/main" id="{1F118B06-6A8B-A795-1BF1-638418EA6C96}"/>
+              </a:ext>
+            </a:extLst>
+          </p:cNvPr>
+          <p:cNvSpPr>
+            <a:spLocks noChangeAspect="1"/>
+          </p:cNvSpPr>
+          <p:nvPr/>
+        </p:nvSpPr>
+        <p:spPr>
+          <a:xfrm>
+            <a:off x="2004400" y="1855103"/>
+            <a:ext cx="1391874" cy="1357365"/>
+          </a:xfrm>
+          <a:prstGeom prst="rect">
+            <a:avLst/>
+          </a:prstGeom>
+          <a:solidFill>
+            <a:srgbClr val="648FFF"/>
+          </a:solidFill>
+          <a:ln>
+            <a:noFill/>
+          </a:ln>
+        </p:spPr>
+        <p:style>
+          <a:lnRef idx="2">
+            <a:schemeClr val="accent1">
+              <a:shade val="15000"/>
+            </a:schemeClr>
+          </a:lnRef>
+          <a:fillRef idx="1">
+            <a:schemeClr val="accent1"/>
+          </a:fillRef>
+          <a:effectRef idx="0">
+            <a:schemeClr val="accent1"/>
+          </a:effectRef>
+          <a:fontRef idx="minor">
+            <a:schemeClr val="lt1"/>
+          </a:fontRef>
+        </p:style>
+        <p:txBody>
+          <a:bodyPr rtlCol="0" anchor="ctr"/>
+          <a:lstStyle/>
+          <a:p>
+            <a:pPr algn="ctr"/>
+            <a:endParaRPr lang="en-GB"/>
+          </a:p>
+        </p:txBody>
+      </p:sp>
+      <p:sp>
+        <p:nvSpPr>
+          <p:cNvPr id="9" name="Rectangle 8">
+            <a:extLst>
+              <a:ext uri="{FF2B5EF4-FFF2-40B4-BE49-F238E27FC236}">
+                <a16:creationId xmlns:a16="http://schemas.microsoft.com/office/drawing/2014/main" id="{21099A33-030A-1455-7953-FD990ACAED42}"/>
+              </a:ext>
+            </a:extLst>
+          </p:cNvPr>
+          <p:cNvSpPr>
+            <a:spLocks noChangeAspect="1"/>
+          </p:cNvSpPr>
+          <p:nvPr/>
+        </p:nvSpPr>
+        <p:spPr>
+          <a:xfrm>
+            <a:off x="302210" y="1855103"/>
+            <a:ext cx="1391874" cy="1357365"/>
+          </a:xfrm>
+          <a:prstGeom prst="rect">
+            <a:avLst/>
+          </a:prstGeom>
+          <a:solidFill>
+            <a:srgbClr val="648FFF"/>
+          </a:solidFill>
+          <a:ln>
+            <a:noFill/>
+          </a:ln>
+        </p:spPr>
+        <p:style>
+          <a:lnRef idx="2">
+            <a:schemeClr val="accent1">
+              <a:shade val="15000"/>
+            </a:schemeClr>
+          </a:lnRef>
+          <a:fillRef idx="1">
+            <a:schemeClr val="accent1"/>
+          </a:fillRef>
+          <a:effectRef idx="0">
+            <a:schemeClr val="accent1"/>
+          </a:effectRef>
+          <a:fontRef idx="minor">
+            <a:schemeClr val="lt1"/>
+          </a:fontRef>
+        </p:style>
+        <p:txBody>
+          <a:bodyPr rtlCol="0" anchor="ctr"/>
+          <a:lstStyle/>
+          <a:p>
+            <a:pPr algn="ctr"/>
+            <a:endParaRPr lang="en-GB"/>
+          </a:p>
+        </p:txBody>
+      </p:sp>
+      <p:sp>
+        <p:nvSpPr>
+          <p:cNvPr id="10" name="Oval 9">
+            <a:extLst>
+              <a:ext uri="{FF2B5EF4-FFF2-40B4-BE49-F238E27FC236}">
+                <a16:creationId xmlns:a16="http://schemas.microsoft.com/office/drawing/2014/main" id="{18CA73B0-D923-F315-67AF-0FF3FE645C08}"/>
+              </a:ext>
+            </a:extLst>
+          </p:cNvPr>
+          <p:cNvSpPr>
+            <a:spLocks noChangeAspect="1"/>
+          </p:cNvSpPr>
+          <p:nvPr/>
+        </p:nvSpPr>
+        <p:spPr>
+          <a:xfrm>
+            <a:off x="3706591" y="1855103"/>
+            <a:ext cx="1391874" cy="1357365"/>
+          </a:xfrm>
+          <a:prstGeom prst="ellipse">
+            <a:avLst/>
+          </a:prstGeom>
+          <a:solidFill>
+            <a:srgbClr val="648FFF"/>
+          </a:solidFill>
+          <a:ln>
+            <a:noFill/>
+          </a:ln>
+        </p:spPr>
+        <p:style>
+          <a:lnRef idx="2">
+            <a:schemeClr val="accent1">
+              <a:shade val="15000"/>
+            </a:schemeClr>
+          </a:lnRef>
+          <a:fillRef idx="1">
+            <a:schemeClr val="accent1"/>
+          </a:fillRef>
+          <a:effectRef idx="0">
+            <a:schemeClr val="accent1"/>
+          </a:effectRef>
+          <a:fontRef idx="minor">
+            <a:schemeClr val="lt1"/>
+          </a:fontRef>
+        </p:style>
+        <p:txBody>
+          <a:bodyPr rtlCol="0" anchor="ctr"/>
+          <a:lstStyle/>
+          <a:p>
+            <a:pPr algn="ctr"/>
+            <a:endParaRPr lang="en-GB"/>
+          </a:p>
+        </p:txBody>
+      </p:sp>
+    </p:spTree>
+    <p:extLst>
+      <p:ext uri="{BB962C8B-B14F-4D97-AF65-F5344CB8AC3E}">
+        <p14:creationId xmlns:p14="http://schemas.microsoft.com/office/powerpoint/2010/main" val="4068492846"/>
+      </p:ext>
+    </p:extLst>
+  </p:cSld>
+  <p:clrMapOvr>
+    <a:masterClrMapping/>
+  </p:clrMapOvr>
+</p:sld>
+</file>
+
+<file path=ppt/slides/slide7.xml><?xml version="1.0" encoding="utf-8"?>
+<p:sld xmlns:a="http://schemas.openxmlformats.org/drawingml/2006/main" xmlns:r="http://schemas.openxmlformats.org/officeDocument/2006/relationships" xmlns:p="http://schemas.openxmlformats.org/presentationml/2006/main">
+  <p:cSld>
+    <p:spTree>
+      <p:nvGrpSpPr>
+        <p:cNvPr id="1" name="">
+          <a:extLst>
+            <a:ext uri="{FF2B5EF4-FFF2-40B4-BE49-F238E27FC236}">
+              <a16:creationId xmlns:a16="http://schemas.microsoft.com/office/drawing/2014/main" id="{2E976D7D-250A-BC68-0E5C-A75D601F86D9}"/>
+            </a:ext>
+          </a:extLst>
+        </p:cNvPr>
+        <p:cNvGrpSpPr/>
+        <p:nvPr/>
+      </p:nvGrpSpPr>
+      <p:grpSpPr>
+        <a:xfrm>
+          <a:off x="0" y="0"/>
+          <a:ext cx="0" cy="0"/>
+          <a:chOff x="0" y="0"/>
+          <a:chExt cx="0" cy="0"/>
+        </a:xfrm>
+      </p:grpSpPr>
+      <p:sp>
+        <p:nvSpPr>
+          <p:cNvPr id="2" name="Triangle 1">
+            <a:extLst>
+              <a:ext uri="{FF2B5EF4-FFF2-40B4-BE49-F238E27FC236}">
+                <a16:creationId xmlns:a16="http://schemas.microsoft.com/office/drawing/2014/main" id="{590D1266-F346-745F-8EF7-B7B9533F6FC1}"/>
+              </a:ext>
+            </a:extLst>
+          </p:cNvPr>
+          <p:cNvSpPr>
+            <a:spLocks noChangeAspect="1"/>
+          </p:cNvSpPr>
+          <p:nvPr/>
+        </p:nvSpPr>
+        <p:spPr>
+          <a:xfrm>
+            <a:off x="2120674" y="1855104"/>
+            <a:ext cx="1391874" cy="1357365"/>
+          </a:xfrm>
+          <a:prstGeom prst="triangle">
+            <a:avLst/>
+          </a:prstGeom>
+          <a:solidFill>
+            <a:srgbClr val="0C6B2E"/>
+          </a:solidFill>
+          <a:ln>
+            <a:noFill/>
+          </a:ln>
+        </p:spPr>
+        <p:style>
+          <a:lnRef idx="2">
+            <a:schemeClr val="accent1">
+              <a:shade val="15000"/>
+            </a:schemeClr>
+          </a:lnRef>
+          <a:fillRef idx="1">
+            <a:schemeClr val="accent1"/>
+          </a:fillRef>
+          <a:effectRef idx="0">
+            <a:schemeClr val="accent1"/>
+          </a:effectRef>
+          <a:fontRef idx="minor">
+            <a:schemeClr val="lt1"/>
+          </a:fontRef>
+        </p:style>
+        <p:txBody>
+          <a:bodyPr rtlCol="0" anchor="ctr"/>
+          <a:lstStyle/>
+          <a:p>
+            <a:pPr algn="ctr"/>
+            <a:endParaRPr lang="en-GB" dirty="0"/>
+          </a:p>
+        </p:txBody>
+      </p:sp>
+      <p:sp>
+        <p:nvSpPr>
+          <p:cNvPr id="4" name="Rectangle 3">
+            <a:extLst>
+              <a:ext uri="{FF2B5EF4-FFF2-40B4-BE49-F238E27FC236}">
+                <a16:creationId xmlns:a16="http://schemas.microsoft.com/office/drawing/2014/main" id="{AFDB546F-578F-4829-D503-2952A33BD003}"/>
+              </a:ext>
+            </a:extLst>
+          </p:cNvPr>
+          <p:cNvSpPr>
+            <a:spLocks noChangeAspect="1"/>
+          </p:cNvSpPr>
+          <p:nvPr/>
+        </p:nvSpPr>
+        <p:spPr>
+          <a:xfrm>
+            <a:off x="3767122" y="1855103"/>
+            <a:ext cx="1391874" cy="1357365"/>
+          </a:xfrm>
+          <a:prstGeom prst="rect">
+            <a:avLst/>
+          </a:prstGeom>
+          <a:solidFill>
+            <a:srgbClr val="648FFF"/>
+          </a:solidFill>
+          <a:ln>
+            <a:noFill/>
+          </a:ln>
+        </p:spPr>
+        <p:style>
+          <a:lnRef idx="2">
+            <a:schemeClr val="accent1">
+              <a:shade val="15000"/>
+            </a:schemeClr>
+          </a:lnRef>
+          <a:fillRef idx="1">
+            <a:schemeClr val="accent1"/>
+          </a:fillRef>
+          <a:effectRef idx="0">
+            <a:schemeClr val="accent1"/>
+          </a:effectRef>
+          <a:fontRef idx="minor">
+            <a:schemeClr val="lt1"/>
+          </a:fontRef>
+        </p:style>
+        <p:txBody>
+          <a:bodyPr rtlCol="0" anchor="ctr"/>
+          <a:lstStyle/>
+          <a:p>
+            <a:pPr algn="ctr"/>
+            <a:endParaRPr lang="en-GB"/>
+          </a:p>
+        </p:txBody>
+      </p:sp>
+      <p:sp>
+        <p:nvSpPr>
+          <p:cNvPr id="6" name="Triangle 5">
+            <a:extLst>
+              <a:ext uri="{FF2B5EF4-FFF2-40B4-BE49-F238E27FC236}">
+                <a16:creationId xmlns:a16="http://schemas.microsoft.com/office/drawing/2014/main" id="{72C62B0A-A768-8C86-9782-CF3608074428}"/>
+              </a:ext>
+            </a:extLst>
+          </p:cNvPr>
+          <p:cNvSpPr>
+            <a:spLocks noChangeAspect="1"/>
+          </p:cNvSpPr>
+          <p:nvPr/>
+        </p:nvSpPr>
+        <p:spPr>
+          <a:xfrm>
+            <a:off x="474226" y="1855103"/>
+            <a:ext cx="1391874" cy="1357365"/>
+          </a:xfrm>
+          <a:prstGeom prst="triangle">
+            <a:avLst/>
+          </a:prstGeom>
+          <a:solidFill>
+            <a:srgbClr val="0C6B2E"/>
+          </a:solidFill>
+          <a:ln>
+            <a:noFill/>
+          </a:ln>
+        </p:spPr>
+        <p:style>
+          <a:lnRef idx="2">
+            <a:schemeClr val="accent1">
+              <a:shade val="15000"/>
+            </a:schemeClr>
+          </a:lnRef>
+          <a:fillRef idx="1">
+            <a:schemeClr val="accent1"/>
+          </a:fillRef>
+          <a:effectRef idx="0">
+            <a:schemeClr val="accent1"/>
+          </a:effectRef>
+          <a:fontRef idx="minor">
+            <a:schemeClr val="lt1"/>
+          </a:fontRef>
+        </p:style>
+        <p:txBody>
+          <a:bodyPr rtlCol="0" anchor="ctr"/>
+          <a:lstStyle/>
+          <a:p>
+            <a:pPr algn="ctr"/>
+            <a:endParaRPr lang="en-GB" dirty="0"/>
+          </a:p>
+        </p:txBody>
+      </p:sp>
+    </p:spTree>
+    <p:extLst>
+      <p:ext uri="{BB962C8B-B14F-4D97-AF65-F5344CB8AC3E}">
+        <p14:creationId xmlns:p14="http://schemas.microsoft.com/office/powerpoint/2010/main" val="804472520"/>
+      </p:ext>
+    </p:extLst>
+  </p:cSld>
+  <p:clrMapOvr>
+    <a:masterClrMapping/>
+  </p:clrMapOvr>
+</p:sld>
+</file>
+
+<file path=ppt/slides/slide8.xml><?xml version="1.0" encoding="utf-8"?>
+<p:sld xmlns:a="http://schemas.openxmlformats.org/drawingml/2006/main" xmlns:r="http://schemas.openxmlformats.org/officeDocument/2006/relationships" xmlns:p="http://schemas.openxmlformats.org/presentationml/2006/main">
+  <p:cSld>
+    <p:spTree>
+      <p:nvGrpSpPr>
+        <p:cNvPr id="1" name=""/>
+        <p:cNvGrpSpPr/>
+        <p:nvPr/>
+      </p:nvGrpSpPr>
+      <p:grpSpPr>
+        <a:xfrm>
+          <a:off x="0" y="0"/>
+          <a:ext cx="0" cy="0"/>
+          <a:chOff x="0" y="0"/>
+          <a:chExt cx="0" cy="0"/>
+        </a:xfrm>
+      </p:grpSpPr>
+      <p:sp>
+        <p:nvSpPr>
+          <p:cNvPr id="4" name="Oval 3">
+            <a:extLst>
+              <a:ext uri="{FF2B5EF4-FFF2-40B4-BE49-F238E27FC236}">
+                <a16:creationId xmlns:a16="http://schemas.microsoft.com/office/drawing/2014/main" id="{A5D00632-C5F2-B986-62B7-5205D04E5C68}"/>
+              </a:ext>
+            </a:extLst>
+          </p:cNvPr>
+          <p:cNvSpPr>
+            <a:spLocks noChangeAspect="1"/>
+          </p:cNvSpPr>
+          <p:nvPr/>
+        </p:nvSpPr>
+        <p:spPr>
+          <a:xfrm>
+            <a:off x="3671747" y="1846052"/>
+            <a:ext cx="1391874" cy="1357365"/>
+          </a:xfrm>
+          <a:prstGeom prst="ellipse">
+            <a:avLst/>
+          </a:prstGeom>
+          <a:solidFill>
+            <a:srgbClr val="0C6B2E"/>
+          </a:solidFill>
+          <a:ln>
+            <a:noFill/>
+          </a:ln>
+        </p:spPr>
+        <p:style>
+          <a:lnRef idx="2">
+            <a:schemeClr val="accent1">
+              <a:shade val="15000"/>
+            </a:schemeClr>
+          </a:lnRef>
+          <a:fillRef idx="1">
+            <a:schemeClr val="accent1"/>
+          </a:fillRef>
+          <a:effectRef idx="0">
+            <a:schemeClr val="accent1"/>
+          </a:effectRef>
+          <a:fontRef idx="minor">
+            <a:schemeClr val="lt1"/>
+          </a:fontRef>
+        </p:style>
+        <p:txBody>
+          <a:bodyPr rtlCol="0" anchor="ctr"/>
+          <a:lstStyle/>
+          <a:p>
+            <a:pPr algn="ctr"/>
+            <a:endParaRPr lang="en-GB"/>
+          </a:p>
+        </p:txBody>
+      </p:sp>
+      <p:sp>
+        <p:nvSpPr>
+          <p:cNvPr id="3" name="Oval 2">
+            <a:extLst>
+              <a:ext uri="{FF2B5EF4-FFF2-40B4-BE49-F238E27FC236}">
+                <a16:creationId xmlns:a16="http://schemas.microsoft.com/office/drawing/2014/main" id="{67C98600-6427-DB81-EE03-F4A2CAEC899E}"/>
+              </a:ext>
+            </a:extLst>
+          </p:cNvPr>
+          <p:cNvSpPr>
+            <a:spLocks noChangeAspect="1"/>
+          </p:cNvSpPr>
+          <p:nvPr/>
+        </p:nvSpPr>
+        <p:spPr>
+          <a:xfrm>
+            <a:off x="337054" y="1846052"/>
+            <a:ext cx="1391874" cy="1357365"/>
+          </a:xfrm>
+          <a:prstGeom prst="ellipse">
+            <a:avLst/>
+          </a:prstGeom>
+          <a:solidFill>
+            <a:srgbClr val="0C6B2E"/>
+          </a:solidFill>
+          <a:ln>
+            <a:noFill/>
+          </a:ln>
+        </p:spPr>
+        <p:style>
+          <a:lnRef idx="2">
+            <a:schemeClr val="accent1">
+              <a:shade val="15000"/>
+            </a:schemeClr>
+          </a:lnRef>
+          <a:fillRef idx="1">
+            <a:schemeClr val="accent1"/>
+          </a:fillRef>
+          <a:effectRef idx="0">
+            <a:schemeClr val="accent1"/>
+          </a:effectRef>
+          <a:fontRef idx="minor">
+            <a:schemeClr val="lt1"/>
+          </a:fontRef>
+        </p:style>
+        <p:txBody>
+          <a:bodyPr rtlCol="0" anchor="ctr"/>
+          <a:lstStyle/>
+          <a:p>
+            <a:pPr algn="ctr"/>
+            <a:endParaRPr lang="en-GB"/>
+          </a:p>
+        </p:txBody>
+      </p:sp>
+      <p:sp>
+        <p:nvSpPr>
+          <p:cNvPr id="7" name="Oval 6">
+            <a:extLst>
+              <a:ext uri="{FF2B5EF4-FFF2-40B4-BE49-F238E27FC236}">
+                <a16:creationId xmlns:a16="http://schemas.microsoft.com/office/drawing/2014/main" id="{BD6080C6-0BF2-FBD5-EFA4-1482671F7089}"/>
+              </a:ext>
+            </a:extLst>
+          </p:cNvPr>
+          <p:cNvSpPr>
+            <a:spLocks noChangeAspect="1"/>
+          </p:cNvSpPr>
+          <p:nvPr/>
+        </p:nvSpPr>
+        <p:spPr>
+          <a:xfrm>
+            <a:off x="2004400" y="1846052"/>
+            <a:ext cx="1391874" cy="1357365"/>
+          </a:xfrm>
+          <a:prstGeom prst="ellipse">
+            <a:avLst/>
+          </a:prstGeom>
+          <a:solidFill>
+            <a:srgbClr val="648FFF"/>
+          </a:solidFill>
+          <a:ln>
+            <a:noFill/>
+          </a:ln>
+        </p:spPr>
+        <p:style>
+          <a:lnRef idx="2">
+            <a:schemeClr val="accent1">
+              <a:shade val="15000"/>
+            </a:schemeClr>
+          </a:lnRef>
+          <a:fillRef idx="1">
+            <a:schemeClr val="accent1"/>
+          </a:fillRef>
+          <a:effectRef idx="0">
+            <a:schemeClr val="accent1"/>
+          </a:effectRef>
+          <a:fontRef idx="minor">
+            <a:schemeClr val="lt1"/>
+          </a:fontRef>
+        </p:style>
+        <p:txBody>
+          <a:bodyPr rtlCol="0" anchor="ctr"/>
+          <a:lstStyle/>
+          <a:p>
+            <a:pPr algn="ctr"/>
+            <a:endParaRPr lang="en-GB"/>
+          </a:p>
+        </p:txBody>
+      </p:sp>
+    </p:spTree>
+    <p:extLst>
+      <p:ext uri="{BB962C8B-B14F-4D97-AF65-F5344CB8AC3E}">
+        <p14:creationId xmlns:p14="http://schemas.microsoft.com/office/powerpoint/2010/main" val="264842622"/>
+      </p:ext>
+    </p:extLst>
+  </p:cSld>
+  <p:clrMapOvr>
+    <a:masterClrMapping/>
+  </p:clrMapOvr>
+</p:sld>
+</file>
+
+<file path=ppt/slides/slide9.xml><?xml version="1.0" encoding="utf-8"?>
+<p:sld xmlns:a="http://schemas.openxmlformats.org/drawingml/2006/main" xmlns:r="http://schemas.openxmlformats.org/officeDocument/2006/relationships" xmlns:p="http://schemas.openxmlformats.org/presentationml/2006/main">
+  <p:cSld>
+    <p:spTree>
+      <p:nvGrpSpPr>
+        <p:cNvPr id="1" name="">
+          <a:extLst>
+            <a:ext uri="{FF2B5EF4-FFF2-40B4-BE49-F238E27FC236}">
+              <a16:creationId xmlns:a16="http://schemas.microsoft.com/office/drawing/2014/main" id="{6CBB3E10-762A-0F73-66D8-A0F9910B387A}"/>
+            </a:ext>
+          </a:extLst>
+        </p:cNvPr>
+        <p:cNvGrpSpPr/>
+        <p:nvPr/>
+      </p:nvGrpSpPr>
+      <p:grpSpPr>
+        <a:xfrm>
+          <a:off x="0" y="0"/>
+          <a:ext cx="0" cy="0"/>
+          <a:chOff x="0" y="0"/>
+          <a:chExt cx="0" cy="0"/>
+        </a:xfrm>
+      </p:grpSpPr>
+      <p:sp>
+        <p:nvSpPr>
+          <p:cNvPr id="7" name="Oval 6">
+            <a:extLst>
+              <a:ext uri="{FF2B5EF4-FFF2-40B4-BE49-F238E27FC236}">
+                <a16:creationId xmlns:a16="http://schemas.microsoft.com/office/drawing/2014/main" id="{F554D1F5-B306-2FC4-0042-71AD50B2A450}"/>
+              </a:ext>
+            </a:extLst>
+          </p:cNvPr>
+          <p:cNvSpPr>
+            <a:spLocks noChangeAspect="1"/>
+          </p:cNvSpPr>
+          <p:nvPr/>
+        </p:nvSpPr>
+        <p:spPr>
+          <a:xfrm>
+            <a:off x="2004400" y="1846052"/>
+            <a:ext cx="1391874" cy="1357365"/>
+          </a:xfrm>
+          <a:prstGeom prst="ellipse">
+            <a:avLst/>
+          </a:prstGeom>
+          <a:solidFill>
+            <a:srgbClr val="648FFF"/>
+          </a:solidFill>
+          <a:ln>
+            <a:noFill/>
+          </a:ln>
+        </p:spPr>
+        <p:style>
+          <a:lnRef idx="2">
+            <a:schemeClr val="accent1">
+              <a:shade val="15000"/>
+            </a:schemeClr>
+          </a:lnRef>
+          <a:fillRef idx="1">
+            <a:schemeClr val="accent1"/>
+          </a:fillRef>
+          <a:effectRef idx="0">
+            <a:schemeClr val="accent1"/>
+          </a:effectRef>
+          <a:fontRef idx="minor">
+            <a:schemeClr val="lt1"/>
+          </a:fontRef>
+        </p:style>
+        <p:txBody>
+          <a:bodyPr rtlCol="0" anchor="ctr"/>
+          <a:lstStyle/>
+          <a:p>
+            <a:pPr algn="ctr"/>
+            <a:endParaRPr lang="en-GB"/>
+          </a:p>
+        </p:txBody>
+      </p:sp>
+      <p:sp>
+        <p:nvSpPr>
+          <p:cNvPr id="2" name="Oval 1">
+            <a:extLst>
+              <a:ext uri="{FF2B5EF4-FFF2-40B4-BE49-F238E27FC236}">
+                <a16:creationId xmlns:a16="http://schemas.microsoft.com/office/drawing/2014/main" id="{1CE1FB1B-6654-051F-A8E6-D670EED750F5}"/>
+              </a:ext>
+            </a:extLst>
+          </p:cNvPr>
+          <p:cNvSpPr>
+            <a:spLocks noChangeAspect="1"/>
+          </p:cNvSpPr>
+          <p:nvPr/>
+        </p:nvSpPr>
+        <p:spPr>
+          <a:xfrm>
+            <a:off x="337053" y="1846052"/>
+            <a:ext cx="1391874" cy="1357365"/>
+          </a:xfrm>
+          <a:prstGeom prst="ellipse">
+            <a:avLst/>
+          </a:prstGeom>
+          <a:solidFill>
+            <a:srgbClr val="648FFF"/>
+          </a:solidFill>
+          <a:ln>
+            <a:noFill/>
+          </a:ln>
+        </p:spPr>
+        <p:style>
+          <a:lnRef idx="2">
+            <a:schemeClr val="accent1">
+              <a:shade val="15000"/>
+            </a:schemeClr>
+          </a:lnRef>
+          <a:fillRef idx="1">
+            <a:schemeClr val="accent1"/>
+          </a:fillRef>
+          <a:effectRef idx="0">
+            <a:schemeClr val="accent1"/>
+          </a:effectRef>
+          <a:fontRef idx="minor">
+            <a:schemeClr val="lt1"/>
+          </a:fontRef>
+        </p:style>
+        <p:txBody>
+          <a:bodyPr rtlCol="0" anchor="ctr"/>
+          <a:lstStyle/>
+          <a:p>
+            <a:pPr algn="ctr"/>
+            <a:endParaRPr lang="en-GB"/>
+          </a:p>
+        </p:txBody>
+      </p:sp>
+      <p:sp>
+        <p:nvSpPr>
+          <p:cNvPr id="5" name="Oval 4">
+            <a:extLst>
+              <a:ext uri="{FF2B5EF4-FFF2-40B4-BE49-F238E27FC236}">
+                <a16:creationId xmlns:a16="http://schemas.microsoft.com/office/drawing/2014/main" id="{480FB16C-6015-EDA6-C430-C0D0EAB73484}"/>
+              </a:ext>
+            </a:extLst>
+          </p:cNvPr>
+          <p:cNvSpPr>
+            <a:spLocks noChangeAspect="1"/>
+          </p:cNvSpPr>
+          <p:nvPr/>
+        </p:nvSpPr>
+        <p:spPr>
+          <a:xfrm>
+            <a:off x="3671748" y="1846051"/>
+            <a:ext cx="1391874" cy="1357365"/>
+          </a:xfrm>
+          <a:prstGeom prst="ellipse">
+            <a:avLst/>
+          </a:prstGeom>
+          <a:solidFill>
+            <a:srgbClr val="F35BB4"/>
+          </a:solidFill>
+          <a:ln>
+            <a:noFill/>
+          </a:ln>
+        </p:spPr>
+        <p:style>
+          <a:lnRef idx="2">
+            <a:schemeClr val="accent1">
+              <a:shade val="15000"/>
+            </a:schemeClr>
+          </a:lnRef>
+          <a:fillRef idx="1">
+            <a:schemeClr val="accent1"/>
+          </a:fillRef>
+          <a:effectRef idx="0">
+            <a:schemeClr val="accent1"/>
+          </a:effectRef>
+          <a:fontRef idx="minor">
+            <a:schemeClr val="lt1"/>
+          </a:fontRef>
+        </p:style>
+        <p:txBody>
+          <a:bodyPr rtlCol="0" anchor="ctr"/>
+          <a:lstStyle/>
+          <a:p>
+            <a:pPr algn="ctr"/>
+            <a:endParaRPr lang="en-GB"/>
+          </a:p>
+        </p:txBody>
+      </p:sp>
+    </p:spTree>
+    <p:extLst>
+      <p:ext uri="{BB962C8B-B14F-4D97-AF65-F5344CB8AC3E}">
+        <p14:creationId xmlns:p14="http://schemas.microsoft.com/office/powerpoint/2010/main" val="3008877839"/>
       </p:ext>
     </p:extLst>
   </p:cSld>
